--- a/Report/Forecasting Electrical Energy Consumption- End Presentation.pptx
+++ b/Report/Forecasting Electrical Energy Consumption- End Presentation.pptx
@@ -6,11 +6,11 @@
   </p:sldMasterIdLst>
   <p:sldIdLst>
     <p:sldId id="256" r:id="rId2"/>
-    <p:sldId id="257" r:id="rId3"/>
-    <p:sldId id="260" r:id="rId4"/>
-    <p:sldId id="259" r:id="rId5"/>
-    <p:sldId id="261" r:id="rId6"/>
-    <p:sldId id="258" r:id="rId7"/>
+    <p:sldId id="260" r:id="rId3"/>
+    <p:sldId id="259" r:id="rId4"/>
+    <p:sldId id="261" r:id="rId5"/>
+    <p:sldId id="270" r:id="rId6"/>
+    <p:sldId id="271" r:id="rId7"/>
     <p:sldId id="263" r:id="rId8"/>
     <p:sldId id="269" r:id="rId9"/>
     <p:sldId id="264" r:id="rId10"/>
@@ -129,7 +129,8 @@
 <p1510:revInfo xmlns:a="http://schemas.openxmlformats.org/drawingml/2006/main" xmlns:r="http://schemas.openxmlformats.org/officeDocument/2006/relationships" xmlns:p1510="http://schemas.microsoft.com/office/powerpoint/2015/10/main">
   <p1510:revLst>
     <p1510:client id="{50CD8289-2326-48E8-80A7-28EEF32803F1}" v="61" dt="2025-02-16T16:34:04.982"/>
-    <p1510:client id="{86364085-FEAA-4369-97E0-FB8A68D62F80}" v="13" dt="2025-02-16T16:33:09.840"/>
+    <p1510:client id="{86364085-FEAA-4369-97E0-FB8A68D62F80}" v="24" dt="2025-02-17T11:03:03.793"/>
+    <p1510:client id="{9BF51EDF-E462-4445-9996-0D353D537123}" v="3" dt="2025-02-17T11:04:23.325"/>
   </p1510:revLst>
 </p1510:revInfo>
 </file>
@@ -137,9 +138,48 @@
 <file path=ppt/changesInfos/changesInfo1.xml><?xml version="1.0" encoding="utf-8"?>
 <pc:chgInfo xmlns:a="http://schemas.openxmlformats.org/drawingml/2006/main" xmlns:r="http://schemas.openxmlformats.org/officeDocument/2006/relationships" xmlns:ac="http://schemas.microsoft.com/office/drawing/2013/main/command" xmlns:pc="http://schemas.microsoft.com/office/powerpoint/2013/main/command">
   <pc:docChgLst>
+    <pc:chgData name="shashwat mishra" userId="d87b26fa1a3c7386" providerId="Windows Live" clId="Web-{9BF51EDF-E462-4445-9996-0D353D537123}"/>
+    <pc:docChg chg="modSld">
+      <pc:chgData name="shashwat mishra" userId="d87b26fa1a3c7386" providerId="Windows Live" clId="Web-{9BF51EDF-E462-4445-9996-0D353D537123}" dt="2025-02-17T11:04:23.325" v="2"/>
+      <pc:docMkLst>
+        <pc:docMk/>
+      </pc:docMkLst>
+      <pc:sldChg chg="delSp modSp">
+        <pc:chgData name="shashwat mishra" userId="d87b26fa1a3c7386" providerId="Windows Live" clId="Web-{9BF51EDF-E462-4445-9996-0D353D537123}" dt="2025-02-17T11:03:16.543" v="1"/>
+        <pc:sldMkLst>
+          <pc:docMk/>
+          <pc:sldMk cId="2799660770" sldId="270"/>
+        </pc:sldMkLst>
+        <pc:spChg chg="del mod">
+          <ac:chgData name="shashwat mishra" userId="d87b26fa1a3c7386" providerId="Windows Live" clId="Web-{9BF51EDF-E462-4445-9996-0D353D537123}" dt="2025-02-17T11:03:16.543" v="1"/>
+          <ac:spMkLst>
+            <pc:docMk/>
+            <pc:sldMk cId="2799660770" sldId="270"/>
+            <ac:spMk id="3" creationId="{958EF288-E14B-D5C5-BE5F-8B21E6759AEB}"/>
+          </ac:spMkLst>
+        </pc:spChg>
+      </pc:sldChg>
+      <pc:sldChg chg="delSp">
+        <pc:chgData name="shashwat mishra" userId="d87b26fa1a3c7386" providerId="Windows Live" clId="Web-{9BF51EDF-E462-4445-9996-0D353D537123}" dt="2025-02-17T11:04:23.325" v="2"/>
+        <pc:sldMkLst>
+          <pc:docMk/>
+          <pc:sldMk cId="2605865318" sldId="271"/>
+        </pc:sldMkLst>
+        <pc:spChg chg="del">
+          <ac:chgData name="shashwat mishra" userId="d87b26fa1a3c7386" providerId="Windows Live" clId="Web-{9BF51EDF-E462-4445-9996-0D353D537123}" dt="2025-02-17T11:04:23.325" v="2"/>
+          <ac:spMkLst>
+            <pc:docMk/>
+            <pc:sldMk cId="2605865318" sldId="271"/>
+            <ac:spMk id="3" creationId="{04968FDB-03CB-D2B1-126C-FF3079A9204A}"/>
+          </ac:spMkLst>
+        </pc:spChg>
+      </pc:sldChg>
+    </pc:docChg>
+  </pc:docChgLst>
+  <pc:docChgLst>
     <pc:chgData name="Vansh Sachdev" userId="dfd929aa4a73c714" providerId="LiveId" clId="{86364085-FEAA-4369-97E0-FB8A68D62F80}"/>
-    <pc:docChg chg="undo custSel addSld modSld">
-      <pc:chgData name="Vansh Sachdev" userId="dfd929aa4a73c714" providerId="LiveId" clId="{86364085-FEAA-4369-97E0-FB8A68D62F80}" dt="2025-02-16T16:33:09.840" v="116"/>
+    <pc:docChg chg="undo custSel addSld delSld modSld">
+      <pc:chgData name="Vansh Sachdev" userId="dfd929aa4a73c714" providerId="LiveId" clId="{86364085-FEAA-4369-97E0-FB8A68D62F80}" dt="2025-02-17T11:03:03.793" v="435" actId="313"/>
       <pc:docMkLst>
         <pc:docMk/>
       </pc:docMkLst>
@@ -230,8 +270,8 @@
           </ac:cxnSpMkLst>
         </pc:cxnChg>
       </pc:sldChg>
-      <pc:sldChg chg="modSp">
-        <pc:chgData name="Vansh Sachdev" userId="dfd929aa4a73c714" providerId="LiveId" clId="{86364085-FEAA-4369-97E0-FB8A68D62F80}" dt="2025-02-16T15:42:21.868" v="1" actId="123"/>
+      <pc:sldChg chg="modSp del mod modShow">
+        <pc:chgData name="Vansh Sachdev" userId="dfd929aa4a73c714" providerId="LiveId" clId="{86364085-FEAA-4369-97E0-FB8A68D62F80}" dt="2025-02-17T09:59:06.389" v="119" actId="47"/>
         <pc:sldMkLst>
           <pc:docMk/>
           <pc:sldMk cId="1866807451" sldId="257"/>
@@ -245,8 +285,8 @@
           </ac:spMkLst>
         </pc:spChg>
       </pc:sldChg>
-      <pc:sldChg chg="modSp mod">
-        <pc:chgData name="Vansh Sachdev" userId="dfd929aa4a73c714" providerId="LiveId" clId="{86364085-FEAA-4369-97E0-FB8A68D62F80}" dt="2025-02-16T15:42:32.926" v="3" actId="123"/>
+      <pc:sldChg chg="modSp del mod modShow">
+        <pc:chgData name="Vansh Sachdev" userId="dfd929aa4a73c714" providerId="LiveId" clId="{86364085-FEAA-4369-97E0-FB8A68D62F80}" dt="2025-02-17T10:00:13.319" v="154" actId="47"/>
         <pc:sldMkLst>
           <pc:docMk/>
           <pc:sldMk cId="933205813" sldId="258"/>
@@ -260,14 +300,29 @@
           </ac:spMkLst>
         </pc:spChg>
       </pc:sldChg>
+      <pc:sldChg chg="modSp mod">
+        <pc:chgData name="Vansh Sachdev" userId="dfd929aa4a73c714" providerId="LiveId" clId="{86364085-FEAA-4369-97E0-FB8A68D62F80}" dt="2025-02-17T11:03:03.793" v="435" actId="313"/>
+        <pc:sldMkLst>
+          <pc:docMk/>
+          <pc:sldMk cId="3422617770" sldId="259"/>
+        </pc:sldMkLst>
+        <pc:spChg chg="mod">
+          <ac:chgData name="Vansh Sachdev" userId="dfd929aa4a73c714" providerId="LiveId" clId="{86364085-FEAA-4369-97E0-FB8A68D62F80}" dt="2025-02-17T11:03:03.793" v="435" actId="313"/>
+          <ac:spMkLst>
+            <pc:docMk/>
+            <pc:sldMk cId="3422617770" sldId="259"/>
+            <ac:spMk id="3" creationId="{95BB4CED-71A5-5C9E-147D-FC6A994F5FBC}"/>
+          </ac:spMkLst>
+        </pc:spChg>
+      </pc:sldChg>
       <pc:sldChg chg="addSp delSp modSp mod">
-        <pc:chgData name="Vansh Sachdev" userId="dfd929aa4a73c714" providerId="LiveId" clId="{86364085-FEAA-4369-97E0-FB8A68D62F80}" dt="2025-02-16T15:44:14.838" v="5" actId="123"/>
+        <pc:chgData name="Vansh Sachdev" userId="dfd929aa4a73c714" providerId="LiveId" clId="{86364085-FEAA-4369-97E0-FB8A68D62F80}" dt="2025-02-17T09:59:21.988" v="135" actId="20577"/>
         <pc:sldMkLst>
           <pc:docMk/>
           <pc:sldMk cId="4140486868" sldId="260"/>
         </pc:sldMkLst>
         <pc:spChg chg="mod">
-          <ac:chgData name="Vansh Sachdev" userId="dfd929aa4a73c714" providerId="LiveId" clId="{86364085-FEAA-4369-97E0-FB8A68D62F80}" dt="2025-02-16T15:44:11.568" v="4" actId="26606"/>
+          <ac:chgData name="Vansh Sachdev" userId="dfd929aa4a73c714" providerId="LiveId" clId="{86364085-FEAA-4369-97E0-FB8A68D62F80}" dt="2025-02-17T09:59:21.988" v="135" actId="20577"/>
           <ac:spMkLst>
             <pc:docMk/>
             <pc:sldMk cId="4140486868" sldId="260"/>
@@ -339,14 +394,37 @@
           </ac:cxnSpMkLst>
         </pc:cxnChg>
       </pc:sldChg>
+      <pc:sldChg chg="delSp modSp mod">
+        <pc:chgData name="Vansh Sachdev" userId="dfd929aa4a73c714" providerId="LiveId" clId="{86364085-FEAA-4369-97E0-FB8A68D62F80}" dt="2025-02-17T10:00:54.761" v="181" actId="478"/>
+        <pc:sldMkLst>
+          <pc:docMk/>
+          <pc:sldMk cId="1554217566" sldId="263"/>
+        </pc:sldMkLst>
+        <pc:spChg chg="mod">
+          <ac:chgData name="Vansh Sachdev" userId="dfd929aa4a73c714" providerId="LiveId" clId="{86364085-FEAA-4369-97E0-FB8A68D62F80}" dt="2025-02-17T10:00:22.328" v="180" actId="20577"/>
+          <ac:spMkLst>
+            <pc:docMk/>
+            <pc:sldMk cId="1554217566" sldId="263"/>
+            <ac:spMk id="2" creationId="{F08F4EC1-527C-E969-C078-52400B9E1556}"/>
+          </ac:spMkLst>
+        </pc:spChg>
+        <pc:picChg chg="del">
+          <ac:chgData name="Vansh Sachdev" userId="dfd929aa4a73c714" providerId="LiveId" clId="{86364085-FEAA-4369-97E0-FB8A68D62F80}" dt="2025-02-17T10:00:54.761" v="181" actId="478"/>
+          <ac:picMkLst>
+            <pc:docMk/>
+            <pc:sldMk cId="1554217566" sldId="263"/>
+            <ac:picMk id="9" creationId="{82D0C3A6-4B5D-4799-B853-9AEA6F4F0361}"/>
+          </ac:picMkLst>
+        </pc:picChg>
+      </pc:sldChg>
       <pc:sldChg chg="addSp delSp modSp mod setClrOvrMap">
-        <pc:chgData name="Vansh Sachdev" userId="dfd929aa4a73c714" providerId="LiveId" clId="{86364085-FEAA-4369-97E0-FB8A68D62F80}" dt="2025-02-16T15:53:43.652" v="106" actId="1076"/>
+        <pc:chgData name="Vansh Sachdev" userId="dfd929aa4a73c714" providerId="LiveId" clId="{86364085-FEAA-4369-97E0-FB8A68D62F80}" dt="2025-02-17T11:02:13.379" v="430" actId="1076"/>
         <pc:sldMkLst>
           <pc:docMk/>
           <pc:sldMk cId="1201493800" sldId="264"/>
         </pc:sldMkLst>
         <pc:spChg chg="mod">
-          <ac:chgData name="Vansh Sachdev" userId="dfd929aa4a73c714" providerId="LiveId" clId="{86364085-FEAA-4369-97E0-FB8A68D62F80}" dt="2025-02-16T15:53:39.585" v="105" actId="14100"/>
+          <ac:chgData name="Vansh Sachdev" userId="dfd929aa4a73c714" providerId="LiveId" clId="{86364085-FEAA-4369-97E0-FB8A68D62F80}" dt="2025-02-17T11:02:13.379" v="430" actId="1076"/>
           <ac:spMkLst>
             <pc:docMk/>
             <pc:sldMk cId="1201493800" sldId="264"/>
@@ -385,8 +463,8 @@
             <ac:spMk id="27" creationId="{612349FF-7742-42ED-ADF3-238B5DDD176C}"/>
           </ac:spMkLst>
         </pc:spChg>
-        <pc:picChg chg="mod">
-          <ac:chgData name="Vansh Sachdev" userId="dfd929aa4a73c714" providerId="LiveId" clId="{86364085-FEAA-4369-97E0-FB8A68D62F80}" dt="2025-02-16T15:53:43.652" v="106" actId="1076"/>
+        <pc:picChg chg="mod modCrop">
+          <ac:chgData name="Vansh Sachdev" userId="dfd929aa4a73c714" providerId="LiveId" clId="{86364085-FEAA-4369-97E0-FB8A68D62F80}" dt="2025-02-17T11:02:00.488" v="428" actId="732"/>
           <ac:picMkLst>
             <pc:docMk/>
             <pc:sldMk cId="1201493800" sldId="264"/>
@@ -418,27 +496,99 @@
           </ac:cxnSpMkLst>
         </pc:cxnChg>
       </pc:sldChg>
-      <pc:sldChg chg="modSp mod">
-        <pc:chgData name="Vansh Sachdev" userId="dfd929aa4a73c714" providerId="LiveId" clId="{86364085-FEAA-4369-97E0-FB8A68D62F80}" dt="2025-02-16T16:31:40.313" v="115" actId="14100"/>
+      <pc:sldChg chg="addSp delSp modSp mod">
+        <pc:chgData name="Vansh Sachdev" userId="dfd929aa4a73c714" providerId="LiveId" clId="{86364085-FEAA-4369-97E0-FB8A68D62F80}" dt="2025-02-17T10:02:09.610" v="235" actId="403"/>
         <pc:sldMkLst>
           <pc:docMk/>
           <pc:sldMk cId="3479800934" sldId="265"/>
         </pc:sldMkLst>
+        <pc:spChg chg="add mod">
+          <ac:chgData name="Vansh Sachdev" userId="dfd929aa4a73c714" providerId="LiveId" clId="{86364085-FEAA-4369-97E0-FB8A68D62F80}" dt="2025-02-17T10:02:09.610" v="235" actId="403"/>
+          <ac:spMkLst>
+            <pc:docMk/>
+            <pc:sldMk cId="3479800934" sldId="265"/>
+            <ac:spMk id="2" creationId="{2F3F809E-A286-7851-5285-20B9468AF258}"/>
+          </ac:spMkLst>
+        </pc:spChg>
+        <pc:spChg chg="del">
+          <ac:chgData name="Vansh Sachdev" userId="dfd929aa4a73c714" providerId="LiveId" clId="{86364085-FEAA-4369-97E0-FB8A68D62F80}" dt="2025-02-17T10:02:00.003" v="224" actId="26606"/>
+          <ac:spMkLst>
+            <pc:docMk/>
+            <pc:sldMk cId="3479800934" sldId="265"/>
+            <ac:spMk id="13" creationId="{33E93247-6229-44AB-A550-739E971E690B}"/>
+          </ac:spMkLst>
+        </pc:spChg>
+        <pc:spChg chg="add">
+          <ac:chgData name="Vansh Sachdev" userId="dfd929aa4a73c714" providerId="LiveId" clId="{86364085-FEAA-4369-97E0-FB8A68D62F80}" dt="2025-02-17T10:02:00.003" v="224" actId="26606"/>
+          <ac:spMkLst>
+            <pc:docMk/>
+            <pc:sldMk cId="3479800934" sldId="265"/>
+            <ac:spMk id="20" creationId="{E49D7415-2F11-44C2-B6AA-13A25B6814B9}"/>
+          </ac:spMkLst>
+        </pc:spChg>
         <pc:picChg chg="mod">
-          <ac:chgData name="Vansh Sachdev" userId="dfd929aa4a73c714" providerId="LiveId" clId="{86364085-FEAA-4369-97E0-FB8A68D62F80}" dt="2025-02-16T16:31:40.313" v="115" actId="14100"/>
+          <ac:chgData name="Vansh Sachdev" userId="dfd929aa4a73c714" providerId="LiveId" clId="{86364085-FEAA-4369-97E0-FB8A68D62F80}" dt="2025-02-17T10:02:00.003" v="224" actId="26606"/>
           <ac:picMkLst>
             <pc:docMk/>
             <pc:sldMk cId="3479800934" sldId="265"/>
             <ac:picMk id="4" creationId="{CEF62F42-E189-BFC4-97F5-E5438B124210}"/>
           </ac:picMkLst>
         </pc:picChg>
+        <pc:cxnChg chg="del">
+          <ac:chgData name="Vansh Sachdev" userId="dfd929aa4a73c714" providerId="LiveId" clId="{86364085-FEAA-4369-97E0-FB8A68D62F80}" dt="2025-02-17T10:02:00.003" v="224" actId="26606"/>
+          <ac:cxnSpMkLst>
+            <pc:docMk/>
+            <pc:sldMk cId="3479800934" sldId="265"/>
+            <ac:cxnSpMk id="9" creationId="{F64F9B95-9045-48D2-B9F3-2927E98F54AA}"/>
+          </ac:cxnSpMkLst>
+        </pc:cxnChg>
+        <pc:cxnChg chg="del">
+          <ac:chgData name="Vansh Sachdev" userId="dfd929aa4a73c714" providerId="LiveId" clId="{86364085-FEAA-4369-97E0-FB8A68D62F80}" dt="2025-02-17T10:02:00.003" v="224" actId="26606"/>
+          <ac:cxnSpMkLst>
+            <pc:docMk/>
+            <pc:sldMk cId="3479800934" sldId="265"/>
+            <ac:cxnSpMk id="11" creationId="{085AA86F-6A4D-4BCB-A045-D992CDC2959B}"/>
+          </ac:cxnSpMkLst>
+        </pc:cxnChg>
+        <pc:cxnChg chg="del">
+          <ac:chgData name="Vansh Sachdev" userId="dfd929aa4a73c714" providerId="LiveId" clId="{86364085-FEAA-4369-97E0-FB8A68D62F80}" dt="2025-02-17T10:02:00.003" v="224" actId="26606"/>
+          <ac:cxnSpMkLst>
+            <pc:docMk/>
+            <pc:sldMk cId="3479800934" sldId="265"/>
+            <ac:cxnSpMk id="15" creationId="{F9600FFC-92AF-4AD3-9595-B0E23476BD05}"/>
+          </ac:cxnSpMkLst>
+        </pc:cxnChg>
+        <pc:cxnChg chg="add">
+          <ac:chgData name="Vansh Sachdev" userId="dfd929aa4a73c714" providerId="LiveId" clId="{86364085-FEAA-4369-97E0-FB8A68D62F80}" dt="2025-02-17T10:02:00.003" v="224" actId="26606"/>
+          <ac:cxnSpMkLst>
+            <pc:docMk/>
+            <pc:sldMk cId="3479800934" sldId="265"/>
+            <ac:cxnSpMk id="22" creationId="{A7C10D4C-8DED-200E-3237-3345F3F2A188}"/>
+          </ac:cxnSpMkLst>
+        </pc:cxnChg>
+        <pc:cxnChg chg="add">
+          <ac:chgData name="Vansh Sachdev" userId="dfd929aa4a73c714" providerId="LiveId" clId="{86364085-FEAA-4369-97E0-FB8A68D62F80}" dt="2025-02-17T10:02:00.003" v="224" actId="26606"/>
+          <ac:cxnSpMkLst>
+            <pc:docMk/>
+            <pc:sldMk cId="3479800934" sldId="265"/>
+            <ac:cxnSpMk id="24" creationId="{E8F7F80F-9EDD-0EEA-B6D7-E116EBA4FAD2}"/>
+          </ac:cxnSpMkLst>
+        </pc:cxnChg>
       </pc:sldChg>
       <pc:sldChg chg="modSp mod">
-        <pc:chgData name="Vansh Sachdev" userId="dfd929aa4a73c714" providerId="LiveId" clId="{86364085-FEAA-4369-97E0-FB8A68D62F80}" dt="2025-02-16T16:30:07.461" v="107" actId="1076"/>
+        <pc:chgData name="Vansh Sachdev" userId="dfd929aa4a73c714" providerId="LiveId" clId="{86364085-FEAA-4369-97E0-FB8A68D62F80}" dt="2025-02-17T10:02:21.570" v="245" actId="20577"/>
         <pc:sldMkLst>
           <pc:docMk/>
           <pc:sldMk cId="1064318981" sldId="266"/>
         </pc:sldMkLst>
+        <pc:spChg chg="mod">
+          <ac:chgData name="Vansh Sachdev" userId="dfd929aa4a73c714" providerId="LiveId" clId="{86364085-FEAA-4369-97E0-FB8A68D62F80}" dt="2025-02-17T10:02:21.570" v="245" actId="20577"/>
+          <ac:spMkLst>
+            <pc:docMk/>
+            <pc:sldMk cId="1064318981" sldId="266"/>
+            <ac:spMk id="2" creationId="{F5D62A07-9AD7-21CC-93AE-8D550D026BAC}"/>
+          </ac:spMkLst>
+        </pc:spChg>
         <pc:picChg chg="mod">
           <ac:chgData name="Vansh Sachdev" userId="dfd929aa4a73c714" providerId="LiveId" clId="{86364085-FEAA-4369-97E0-FB8A68D62F80}" dt="2025-02-16T16:30:07.461" v="107" actId="1076"/>
           <ac:picMkLst>
@@ -448,29 +598,140 @@
           </ac:picMkLst>
         </pc:picChg>
       </pc:sldChg>
-      <pc:sldChg chg="modSp mod">
-        <pc:chgData name="Vansh Sachdev" userId="dfd929aa4a73c714" providerId="LiveId" clId="{86364085-FEAA-4369-97E0-FB8A68D62F80}" dt="2025-02-16T16:30:56.517" v="111" actId="1076"/>
+      <pc:sldChg chg="addSp delSp modSp mod">
+        <pc:chgData name="Vansh Sachdev" userId="dfd929aa4a73c714" providerId="LiveId" clId="{86364085-FEAA-4369-97E0-FB8A68D62F80}" dt="2025-02-17T10:02:47.303" v="252" actId="14100"/>
         <pc:sldMkLst>
           <pc:docMk/>
           <pc:sldMk cId="1669222830" sldId="267"/>
         </pc:sldMkLst>
-        <pc:picChg chg="mod">
-          <ac:chgData name="Vansh Sachdev" userId="dfd929aa4a73c714" providerId="LiveId" clId="{86364085-FEAA-4369-97E0-FB8A68D62F80}" dt="2025-02-16T16:30:56.517" v="111" actId="1076"/>
+        <pc:spChg chg="mod">
+          <ac:chgData name="Vansh Sachdev" userId="dfd929aa4a73c714" providerId="LiveId" clId="{86364085-FEAA-4369-97E0-FB8A68D62F80}" dt="2025-02-17T10:02:26.742" v="246" actId="6549"/>
+          <ac:spMkLst>
+            <pc:docMk/>
+            <pc:sldMk cId="1669222830" sldId="267"/>
+            <ac:spMk id="2" creationId="{6814ECF1-FC2D-96AF-8AF6-44737AC883B9}"/>
+          </ac:spMkLst>
+        </pc:spChg>
+        <pc:spChg chg="del">
+          <ac:chgData name="Vansh Sachdev" userId="dfd929aa4a73c714" providerId="LiveId" clId="{86364085-FEAA-4369-97E0-FB8A68D62F80}" dt="2025-02-17T10:02:35.471" v="248"/>
+          <ac:spMkLst>
+            <pc:docMk/>
+            <pc:sldMk cId="1669222830" sldId="267"/>
+            <ac:spMk id="3" creationId="{422F6ECD-C3B5-4027-FCD5-4E757AF5DC91}"/>
+          </ac:spMkLst>
+        </pc:spChg>
+        <pc:picChg chg="del mod">
+          <ac:chgData name="Vansh Sachdev" userId="dfd929aa4a73c714" providerId="LiveId" clId="{86364085-FEAA-4369-97E0-FB8A68D62F80}" dt="2025-02-17T10:02:28.230" v="247" actId="478"/>
           <ac:picMkLst>
             <pc:docMk/>
             <pc:sldMk cId="1669222830" sldId="267"/>
             <ac:picMk id="4" creationId="{20002F15-9E92-0A75-5165-BC9B106E27AC}"/>
           </ac:picMkLst>
         </pc:picChg>
+        <pc:picChg chg="add mod">
+          <ac:chgData name="Vansh Sachdev" userId="dfd929aa4a73c714" providerId="LiveId" clId="{86364085-FEAA-4369-97E0-FB8A68D62F80}" dt="2025-02-17T10:02:47.303" v="252" actId="14100"/>
+          <ac:picMkLst>
+            <pc:docMk/>
+            <pc:sldMk cId="1669222830" sldId="267"/>
+            <ac:picMk id="6" creationId="{B8311AD6-9C37-840F-A55E-D502F045A056}"/>
+          </ac:picMkLst>
+        </pc:picChg>
+      </pc:sldChg>
+      <pc:sldChg chg="addSp delSp modSp mod">
+        <pc:chgData name="Vansh Sachdev" userId="dfd929aa4a73c714" providerId="LiveId" clId="{86364085-FEAA-4369-97E0-FB8A68D62F80}" dt="2025-02-17T10:02:57.280" v="254" actId="26606"/>
+        <pc:sldMkLst>
+          <pc:docMk/>
+          <pc:sldMk cId="2083383835" sldId="268"/>
+        </pc:sldMkLst>
+        <pc:spChg chg="mod">
+          <ac:chgData name="Vansh Sachdev" userId="dfd929aa4a73c714" providerId="LiveId" clId="{86364085-FEAA-4369-97E0-FB8A68D62F80}" dt="2025-02-17T10:02:57.280" v="254" actId="26606"/>
+          <ac:spMkLst>
+            <pc:docMk/>
+            <pc:sldMk cId="2083383835" sldId="268"/>
+            <ac:spMk id="2" creationId="{08835B05-0E18-4654-2506-38EF69A4328F}"/>
+          </ac:spMkLst>
+        </pc:spChg>
+        <pc:spChg chg="del">
+          <ac:chgData name="Vansh Sachdev" userId="dfd929aa4a73c714" providerId="LiveId" clId="{86364085-FEAA-4369-97E0-FB8A68D62F80}" dt="2025-02-17T10:02:57.280" v="254" actId="26606"/>
+          <ac:spMkLst>
+            <pc:docMk/>
+            <pc:sldMk cId="2083383835" sldId="268"/>
+            <ac:spMk id="14" creationId="{33E93247-6229-44AB-A550-739E971E690B}"/>
+          </ac:spMkLst>
+        </pc:spChg>
+        <pc:spChg chg="add">
+          <ac:chgData name="Vansh Sachdev" userId="dfd929aa4a73c714" providerId="LiveId" clId="{86364085-FEAA-4369-97E0-FB8A68D62F80}" dt="2025-02-17T10:02:57.280" v="254" actId="26606"/>
+          <ac:spMkLst>
+            <pc:docMk/>
+            <pc:sldMk cId="2083383835" sldId="268"/>
+            <ac:spMk id="25" creationId="{DEF92653-5D6D-47E6-8744-0DAF76E049C4}"/>
+          </ac:spMkLst>
+        </pc:spChg>
+        <pc:picChg chg="del">
+          <ac:chgData name="Vansh Sachdev" userId="dfd929aa4a73c714" providerId="LiveId" clId="{86364085-FEAA-4369-97E0-FB8A68D62F80}" dt="2025-02-17T10:02:51.547" v="253" actId="478"/>
+          <ac:picMkLst>
+            <pc:docMk/>
+            <pc:sldMk cId="2083383835" sldId="268"/>
+            <ac:picMk id="7" creationId="{673F0918-AD06-8DE4-BD31-B43B521B92FB}"/>
+          </ac:picMkLst>
+        </pc:picChg>
+        <pc:cxnChg chg="del">
+          <ac:chgData name="Vansh Sachdev" userId="dfd929aa4a73c714" providerId="LiveId" clId="{86364085-FEAA-4369-97E0-FB8A68D62F80}" dt="2025-02-17T10:02:57.280" v="254" actId="26606"/>
+          <ac:cxnSpMkLst>
+            <pc:docMk/>
+            <pc:sldMk cId="2083383835" sldId="268"/>
+            <ac:cxnSpMk id="10" creationId="{F64F9B95-9045-48D2-B9F3-2927E98F54AA}"/>
+          </ac:cxnSpMkLst>
+        </pc:cxnChg>
+        <pc:cxnChg chg="del">
+          <ac:chgData name="Vansh Sachdev" userId="dfd929aa4a73c714" providerId="LiveId" clId="{86364085-FEAA-4369-97E0-FB8A68D62F80}" dt="2025-02-17T10:02:57.280" v="254" actId="26606"/>
+          <ac:cxnSpMkLst>
+            <pc:docMk/>
+            <pc:sldMk cId="2083383835" sldId="268"/>
+            <ac:cxnSpMk id="12" creationId="{085AA86F-6A4D-4BCB-A045-D992CDC2959B}"/>
+          </ac:cxnSpMkLst>
+        </pc:cxnChg>
+        <pc:cxnChg chg="del">
+          <ac:chgData name="Vansh Sachdev" userId="dfd929aa4a73c714" providerId="LiveId" clId="{86364085-FEAA-4369-97E0-FB8A68D62F80}" dt="2025-02-17T10:02:57.280" v="254" actId="26606"/>
+          <ac:cxnSpMkLst>
+            <pc:docMk/>
+            <pc:sldMk cId="2083383835" sldId="268"/>
+            <ac:cxnSpMk id="16" creationId="{EE2E603F-4A95-4FE8-BB06-211DFD75DBEF}"/>
+          </ac:cxnSpMkLst>
+        </pc:cxnChg>
+        <pc:cxnChg chg="add">
+          <ac:chgData name="Vansh Sachdev" userId="dfd929aa4a73c714" providerId="LiveId" clId="{86364085-FEAA-4369-97E0-FB8A68D62F80}" dt="2025-02-17T10:02:57.280" v="254" actId="26606"/>
+          <ac:cxnSpMkLst>
+            <pc:docMk/>
+            <pc:sldMk cId="2083383835" sldId="268"/>
+            <ac:cxnSpMk id="21" creationId="{F64F9B95-9045-48D2-B9F3-2927E98F54AA}"/>
+          </ac:cxnSpMkLst>
+        </pc:cxnChg>
+        <pc:cxnChg chg="add">
+          <ac:chgData name="Vansh Sachdev" userId="dfd929aa4a73c714" providerId="LiveId" clId="{86364085-FEAA-4369-97E0-FB8A68D62F80}" dt="2025-02-17T10:02:57.280" v="254" actId="26606"/>
+          <ac:cxnSpMkLst>
+            <pc:docMk/>
+            <pc:sldMk cId="2083383835" sldId="268"/>
+            <ac:cxnSpMk id="23" creationId="{085AA86F-6A4D-4BCB-A045-D992CDC2959B}"/>
+          </ac:cxnSpMkLst>
+        </pc:cxnChg>
+        <pc:cxnChg chg="add">
+          <ac:chgData name="Vansh Sachdev" userId="dfd929aa4a73c714" providerId="LiveId" clId="{86364085-FEAA-4369-97E0-FB8A68D62F80}" dt="2025-02-17T10:02:57.280" v="254" actId="26606"/>
+          <ac:cxnSpMkLst>
+            <pc:docMk/>
+            <pc:sldMk cId="2083383835" sldId="268"/>
+            <ac:cxnSpMk id="27" creationId="{9CA98CE3-81A7-4FFE-A047-9AA65998D877}"/>
+          </ac:cxnSpMkLst>
+        </pc:cxnChg>
       </pc:sldChg>
       <pc:sldChg chg="addSp delSp modSp new mod setBg setClrOvrMap">
-        <pc:chgData name="Vansh Sachdev" userId="dfd929aa4a73c714" providerId="LiveId" clId="{86364085-FEAA-4369-97E0-FB8A68D62F80}" dt="2025-02-16T15:50:18.198" v="99" actId="1076"/>
+        <pc:chgData name="Vansh Sachdev" userId="dfd929aa4a73c714" providerId="LiveId" clId="{86364085-FEAA-4369-97E0-FB8A68D62F80}" dt="2025-02-17T11:02:38.452" v="434" actId="1076"/>
         <pc:sldMkLst>
           <pc:docMk/>
           <pc:sldMk cId="1142060718" sldId="269"/>
         </pc:sldMkLst>
         <pc:spChg chg="mod ord">
-          <ac:chgData name="Vansh Sachdev" userId="dfd929aa4a73c714" providerId="LiveId" clId="{86364085-FEAA-4369-97E0-FB8A68D62F80}" dt="2025-02-16T15:50:18.198" v="99" actId="1076"/>
+          <ac:chgData name="Vansh Sachdev" userId="dfd929aa4a73c714" providerId="LiveId" clId="{86364085-FEAA-4369-97E0-FB8A68D62F80}" dt="2025-02-17T11:02:38.452" v="434" actId="1076"/>
           <ac:spMkLst>
             <pc:docMk/>
             <pc:sldMk cId="1142060718" sldId="269"/>
@@ -573,8 +834,8 @@
             <ac:spMk id="49" creationId="{612349FF-7742-42ED-ADF3-238B5DDD176C}"/>
           </ac:spMkLst>
         </pc:spChg>
-        <pc:picChg chg="add mod">
-          <ac:chgData name="Vansh Sachdev" userId="dfd929aa4a73c714" providerId="LiveId" clId="{86364085-FEAA-4369-97E0-FB8A68D62F80}" dt="2025-02-16T15:50:11.912" v="98" actId="26606"/>
+        <pc:picChg chg="add mod modCrop">
+          <ac:chgData name="Vansh Sachdev" userId="dfd929aa4a73c714" providerId="LiveId" clId="{86364085-FEAA-4369-97E0-FB8A68D62F80}" dt="2025-02-17T11:02:23.849" v="431" actId="732"/>
           <ac:picMkLst>
             <pc:docMk/>
             <pc:sldMk cId="1142060718" sldId="269"/>
@@ -702,6 +963,92 @@
           </ac:cxnSpMkLst>
         </pc:cxnChg>
       </pc:sldChg>
+      <pc:sldChg chg="addSp modSp new mod">
+        <pc:chgData name="Vansh Sachdev" userId="dfd929aa4a73c714" providerId="LiveId" clId="{86364085-FEAA-4369-97E0-FB8A68D62F80}" dt="2025-02-17T11:00:23.418" v="403" actId="1076"/>
+        <pc:sldMkLst>
+          <pc:docMk/>
+          <pc:sldMk cId="2799660770" sldId="270"/>
+        </pc:sldMkLst>
+        <pc:spChg chg="mod">
+          <ac:chgData name="Vansh Sachdev" userId="dfd929aa4a73c714" providerId="LiveId" clId="{86364085-FEAA-4369-97E0-FB8A68D62F80}" dt="2025-02-17T10:57:02.765" v="268" actId="20577"/>
+          <ac:spMkLst>
+            <pc:docMk/>
+            <pc:sldMk cId="2799660770" sldId="270"/>
+            <ac:spMk id="2" creationId="{B9ED9288-B5E1-DCCB-1E9F-4A1CA5A3CFDA}"/>
+          </ac:spMkLst>
+        </pc:spChg>
+        <pc:spChg chg="add mod">
+          <ac:chgData name="Vansh Sachdev" userId="dfd929aa4a73c714" providerId="LiveId" clId="{86364085-FEAA-4369-97E0-FB8A68D62F80}" dt="2025-02-17T10:58:57.556" v="380" actId="1076"/>
+          <ac:spMkLst>
+            <pc:docMk/>
+            <pc:sldMk cId="2799660770" sldId="270"/>
+            <ac:spMk id="6" creationId="{9401F3C8-FC6C-9DFA-5D03-FB6A3DDBB1D6}"/>
+          </ac:spMkLst>
+        </pc:spChg>
+        <pc:spChg chg="add mod">
+          <ac:chgData name="Vansh Sachdev" userId="dfd929aa4a73c714" providerId="LiveId" clId="{86364085-FEAA-4369-97E0-FB8A68D62F80}" dt="2025-02-17T10:59:38.543" v="397" actId="1076"/>
+          <ac:spMkLst>
+            <pc:docMk/>
+            <pc:sldMk cId="2799660770" sldId="270"/>
+            <ac:spMk id="9" creationId="{851CF1BB-D6C2-9E14-B7A0-9C98CE478BBF}"/>
+          </ac:spMkLst>
+        </pc:spChg>
+        <pc:picChg chg="add mod">
+          <ac:chgData name="Vansh Sachdev" userId="dfd929aa4a73c714" providerId="LiveId" clId="{86364085-FEAA-4369-97E0-FB8A68D62F80}" dt="2025-02-17T10:58:33.855" v="360" actId="962"/>
+          <ac:picMkLst>
+            <pc:docMk/>
+            <pc:sldMk cId="2799660770" sldId="270"/>
+            <ac:picMk id="5" creationId="{6C08C087-5C50-E3E7-3CC8-21A3B5F8D94F}"/>
+          </ac:picMkLst>
+        </pc:picChg>
+        <pc:picChg chg="add mod">
+          <ac:chgData name="Vansh Sachdev" userId="dfd929aa4a73c714" providerId="LiveId" clId="{86364085-FEAA-4369-97E0-FB8A68D62F80}" dt="2025-02-17T10:59:20.091" v="382" actId="1076"/>
+          <ac:picMkLst>
+            <pc:docMk/>
+            <pc:sldMk cId="2799660770" sldId="270"/>
+            <ac:picMk id="8" creationId="{6A186BAD-AB2F-67DF-8D01-0781E97F9E9C}"/>
+          </ac:picMkLst>
+        </pc:picChg>
+        <pc:picChg chg="add mod modCrop">
+          <ac:chgData name="Vansh Sachdev" userId="dfd929aa4a73c714" providerId="LiveId" clId="{86364085-FEAA-4369-97E0-FB8A68D62F80}" dt="2025-02-17T11:00:23.418" v="403" actId="1076"/>
+          <ac:picMkLst>
+            <pc:docMk/>
+            <pc:sldMk cId="2799660770" sldId="270"/>
+            <ac:picMk id="11" creationId="{0821EFBD-7C21-12DC-F92D-42C482F8CAA9}"/>
+          </ac:picMkLst>
+        </pc:picChg>
+      </pc:sldChg>
+      <pc:sldChg chg="addSp modSp new mod">
+        <pc:chgData name="Vansh Sachdev" userId="dfd929aa4a73c714" providerId="LiveId" clId="{86364085-FEAA-4369-97E0-FB8A68D62F80}" dt="2025-02-17T11:01:13.096" v="427" actId="1076"/>
+        <pc:sldMkLst>
+          <pc:docMk/>
+          <pc:sldMk cId="2605865318" sldId="271"/>
+        </pc:sldMkLst>
+        <pc:spChg chg="mod">
+          <ac:chgData name="Vansh Sachdev" userId="dfd929aa4a73c714" providerId="LiveId" clId="{86364085-FEAA-4369-97E0-FB8A68D62F80}" dt="2025-02-17T11:00:31.751" v="423" actId="20577"/>
+          <ac:spMkLst>
+            <pc:docMk/>
+            <pc:sldMk cId="2605865318" sldId="271"/>
+            <ac:spMk id="2" creationId="{0C7CF82B-C438-BE2A-52F6-0C5AD7A4044B}"/>
+          </ac:spMkLst>
+        </pc:spChg>
+        <pc:picChg chg="add mod">
+          <ac:chgData name="Vansh Sachdev" userId="dfd929aa4a73c714" providerId="LiveId" clId="{86364085-FEAA-4369-97E0-FB8A68D62F80}" dt="2025-02-17T11:00:57.081" v="425" actId="1076"/>
+          <ac:picMkLst>
+            <pc:docMk/>
+            <pc:sldMk cId="2605865318" sldId="271"/>
+            <ac:picMk id="5" creationId="{418491D1-4236-9527-106F-DF6BE1AD1A29}"/>
+          </ac:picMkLst>
+        </pc:picChg>
+        <pc:picChg chg="add mod">
+          <ac:chgData name="Vansh Sachdev" userId="dfd929aa4a73c714" providerId="LiveId" clId="{86364085-FEAA-4369-97E0-FB8A68D62F80}" dt="2025-02-17T11:01:13.096" v="427" actId="1076"/>
+          <ac:picMkLst>
+            <pc:docMk/>
+            <pc:sldMk cId="2605865318" sldId="271"/>
+            <ac:picMk id="7" creationId="{46FAC62B-FC79-0E40-A54C-B52A28D19081}"/>
+          </ac:picMkLst>
+        </pc:picChg>
+      </pc:sldChg>
     </pc:docChg>
   </pc:docChgLst>
   <pc:docChgLst>
@@ -958,7 +1305,7 @@
           <a:p>
             <a:fld id="{D1D1EADE-8E88-4C7C-8AC5-FB148DE4940E}" type="datetime1">
               <a:rPr lang="en-US" smtClean="0"/>
-              <a:t>2/16/2025</a:t>
+              <a:t>2/17/2025</a:t>
             </a:fld>
             <a:endParaRPr lang="en-US"/>
           </a:p>
@@ -1156,7 +1503,7 @@
           <a:p>
             <a:fld id="{EC3C8B9C-477D-492A-96AD-1FC2CC997A73}" type="datetime1">
               <a:rPr lang="en-US" smtClean="0"/>
-              <a:t>2/16/2025</a:t>
+              <a:t>2/17/2025</a:t>
             </a:fld>
             <a:endParaRPr lang="en-US"/>
           </a:p>
@@ -1364,7 +1711,7 @@
           <a:p>
             <a:fld id="{42D3AED5-E26D-4E29-B1B3-7847B6779594}" type="datetime1">
               <a:rPr lang="en-US" smtClean="0"/>
-              <a:t>2/16/2025</a:t>
+              <a:t>2/17/2025</a:t>
             </a:fld>
             <a:endParaRPr lang="en-US"/>
           </a:p>
@@ -1562,7 +1909,7 @@
           <a:p>
             <a:fld id="{157B6794-849E-4626-908B-D15793550EFB}" type="datetime1">
               <a:rPr lang="en-US" smtClean="0"/>
-              <a:t>2/16/2025</a:t>
+              <a:t>2/17/2025</a:t>
             </a:fld>
             <a:endParaRPr lang="en-US"/>
           </a:p>
@@ -1837,7 +2184,7 @@
           <a:p>
             <a:fld id="{63DB64E7-5594-42A3-ADBF-E95A7ACEAD64}" type="datetime1">
               <a:rPr lang="en-US" smtClean="0"/>
-              <a:t>2/16/2025</a:t>
+              <a:t>2/17/2025</a:t>
             </a:fld>
             <a:endParaRPr lang="en-US"/>
           </a:p>
@@ -2107,7 +2454,7 @@
           <a:p>
             <a:fld id="{18462B0B-D248-4FFB-8695-AD7FA4B1284A}" type="datetime1">
               <a:rPr lang="en-US" smtClean="0"/>
-              <a:t>2/16/2025</a:t>
+              <a:t>2/17/2025</a:t>
             </a:fld>
             <a:endParaRPr lang="en-US"/>
           </a:p>
@@ -2527,7 +2874,7 @@
           <a:p>
             <a:fld id="{D0378EFB-9159-4510-B73F-4F0409ADE937}" type="datetime1">
               <a:rPr lang="en-US" smtClean="0"/>
-              <a:t>2/16/2025</a:t>
+              <a:t>2/17/2025</a:t>
             </a:fld>
             <a:endParaRPr lang="en-US"/>
           </a:p>
@@ -2668,7 +3015,7 @@
           <a:p>
             <a:fld id="{89BC9412-2452-4BED-A324-9D8C115361AD}" type="datetime1">
               <a:rPr lang="en-US" smtClean="0"/>
-              <a:t>2/16/2025</a:t>
+              <a:t>2/17/2025</a:t>
             </a:fld>
             <a:endParaRPr lang="en-US"/>
           </a:p>
@@ -2781,7 +3128,7 @@
           <a:p>
             <a:fld id="{F5318F62-D251-40E8-A23C-F4CFE9FEAB41}" type="datetime1">
               <a:rPr lang="en-US" smtClean="0"/>
-              <a:t>2/16/2025</a:t>
+              <a:t>2/17/2025</a:t>
             </a:fld>
             <a:endParaRPr lang="en-US"/>
           </a:p>
@@ -3092,7 +3439,7 @@
           <a:p>
             <a:fld id="{44F76144-149E-4874-93A5-554A0357CF82}" type="datetime1">
               <a:rPr lang="en-US" smtClean="0"/>
-              <a:t>2/16/2025</a:t>
+              <a:t>2/17/2025</a:t>
             </a:fld>
             <a:endParaRPr lang="en-US"/>
           </a:p>
@@ -3383,7 +3730,7 @@
           <a:p>
             <a:fld id="{50BA65D8-0540-4835-AE5C-25D29DBA01BE}" type="datetime1">
               <a:rPr lang="en-US" smtClean="0"/>
-              <a:t>2/16/2025</a:t>
+              <a:t>2/17/2025</a:t>
             </a:fld>
             <a:endParaRPr lang="en-US"/>
           </a:p>
@@ -3623,7 +3970,7 @@
           <a:p>
             <a:fld id="{E31BA835-12AC-4E8F-955A-EA3F4DE2791F}" type="datetime1">
               <a:rPr lang="en-US" smtClean="0"/>
-              <a:t>2/16/2025</a:t>
+              <a:t>2/17/2025</a:t>
             </a:fld>
             <a:endParaRPr lang="en-US"/>
           </a:p>
@@ -5244,116 +5591,12 @@
           <a:chExt cx="0" cy="0"/>
         </a:xfrm>
       </p:grpSpPr>
-      <p:cxnSp>
-        <p:nvCxnSpPr>
-          <p:cNvPr id="9" name="Straight Connector 8">
-            <a:extLst>
-              <a:ext uri="{FF2B5EF4-FFF2-40B4-BE49-F238E27FC236}">
-                <a16:creationId xmlns:a16="http://schemas.microsoft.com/office/drawing/2014/main" id="{F64F9B95-9045-48D2-B9F3-2927E98F54AA}"/>
-              </a:ext>
-              <a:ext uri="{C183D7F6-B498-43B3-948B-1728B52AA6E4}">
-                <adec:decorative xmlns:adec="http://schemas.microsoft.com/office/drawing/2017/decorative" val="1"/>
-              </a:ext>
-            </a:extLst>
-          </p:cNvPr>
-          <p:cNvCxnSpPr>
-            <a:cxnSpLocks noGrp="1" noRot="1" noChangeAspect="1" noMove="1" noResize="1" noEditPoints="1" noAdjustHandles="1" noChangeArrowheads="1" noChangeShapeType="1"/>
-          </p:cNvCxnSpPr>
-          <p:nvPr>
-            <p:extLst>
-              <p:ext uri="{386F3935-93C4-4BCD-93E2-E3B085C9AB24}">
-                <p16:designElem xmlns:p16="http://schemas.microsoft.com/office/powerpoint/2015/main" val="1"/>
-              </p:ext>
-            </p:extLst>
-          </p:nvPr>
-        </p:nvCxnSpPr>
-        <p:spPr>
-          <a:xfrm>
-            <a:off x="800100" y="723900"/>
-            <a:ext cx="10591800" cy="0"/>
-          </a:xfrm>
-          <a:prstGeom prst="line">
-            <a:avLst/>
-          </a:prstGeom>
-          <a:ln w="44450">
-            <a:solidFill>
-              <a:schemeClr val="tx1"/>
-            </a:solidFill>
-          </a:ln>
-        </p:spPr>
-        <p:style>
-          <a:lnRef idx="1">
-            <a:schemeClr val="accent1"/>
-          </a:lnRef>
-          <a:fillRef idx="0">
-            <a:schemeClr val="accent1"/>
-          </a:fillRef>
-          <a:effectRef idx="0">
-            <a:schemeClr val="accent1"/>
-          </a:effectRef>
-          <a:fontRef idx="minor">
-            <a:schemeClr val="tx1"/>
-          </a:fontRef>
-        </p:style>
-      </p:cxnSp>
-      <p:cxnSp>
-        <p:nvCxnSpPr>
-          <p:cNvPr id="11" name="Straight Connector 10">
-            <a:extLst>
-              <a:ext uri="{FF2B5EF4-FFF2-40B4-BE49-F238E27FC236}">
-                <a16:creationId xmlns:a16="http://schemas.microsoft.com/office/drawing/2014/main" id="{085AA86F-6A4D-4BCB-A045-D992CDC2959B}"/>
-              </a:ext>
-              <a:ext uri="{C183D7F6-B498-43B3-948B-1728B52AA6E4}">
-                <adec:decorative xmlns:adec="http://schemas.microsoft.com/office/drawing/2017/decorative" val="1"/>
-              </a:ext>
-            </a:extLst>
-          </p:cNvPr>
-          <p:cNvCxnSpPr>
-            <a:cxnSpLocks noGrp="1" noRot="1" noChangeAspect="1" noMove="1" noResize="1" noEditPoints="1" noAdjustHandles="1" noChangeArrowheads="1" noChangeShapeType="1"/>
-          </p:cNvCxnSpPr>
-          <p:nvPr>
-            <p:extLst>
-              <p:ext uri="{386F3935-93C4-4BCD-93E2-E3B085C9AB24}">
-                <p16:designElem xmlns:p16="http://schemas.microsoft.com/office/powerpoint/2015/main" val="1"/>
-              </p:ext>
-            </p:extLst>
-          </p:nvPr>
-        </p:nvCxnSpPr>
-        <p:spPr>
-          <a:xfrm>
-            <a:off x="800100" y="6142781"/>
-            <a:ext cx="10591800" cy="0"/>
-          </a:xfrm>
-          <a:prstGeom prst="line">
-            <a:avLst/>
-          </a:prstGeom>
-          <a:ln w="12700">
-            <a:solidFill>
-              <a:schemeClr val="tx1"/>
-            </a:solidFill>
-          </a:ln>
-        </p:spPr>
-        <p:style>
-          <a:lnRef idx="1">
-            <a:schemeClr val="accent1"/>
-          </a:lnRef>
-          <a:fillRef idx="0">
-            <a:schemeClr val="accent1"/>
-          </a:fillRef>
-          <a:effectRef idx="0">
-            <a:schemeClr val="accent1"/>
-          </a:effectRef>
-          <a:fontRef idx="minor">
-            <a:schemeClr val="tx1"/>
-          </a:fontRef>
-        </p:style>
-      </p:cxnSp>
       <p:sp useBgFill="1">
         <p:nvSpPr>
-          <p:cNvPr id="13" name="Rectangle 12">
-            <a:extLst>
-              <a:ext uri="{FF2B5EF4-FFF2-40B4-BE49-F238E27FC236}">
-                <a16:creationId xmlns:a16="http://schemas.microsoft.com/office/drawing/2014/main" id="{33E93247-6229-44AB-A550-739E971E690B}"/>
+          <p:cNvPr id="20" name="Rectangle 19">
+            <a:extLst>
+              <a:ext uri="{FF2B5EF4-FFF2-40B4-BE49-F238E27FC236}">
+                <a16:creationId xmlns:a16="http://schemas.microsoft.com/office/drawing/2014/main" id="{E49D7415-2F11-44C2-B6AA-13A25B6814B9}"/>
               </a:ext>
               <a:ext uri="{C183D7F6-B498-43B3-948B-1728B52AA6E4}">
                 <adec:decorative xmlns:adec="http://schemas.microsoft.com/office/drawing/2017/decorative" val="1"/>
@@ -5424,12 +5667,85 @@
           </a:p>
         </p:txBody>
       </p:sp>
+      <p:pic>
+        <p:nvPicPr>
+          <p:cNvPr id="4" name="Content Placeholder 3">
+            <a:extLst>
+              <a:ext uri="{FF2B5EF4-FFF2-40B4-BE49-F238E27FC236}">
+                <a16:creationId xmlns:a16="http://schemas.microsoft.com/office/drawing/2014/main" id="{CEF62F42-E189-BFC4-97F5-E5438B124210}"/>
+              </a:ext>
+            </a:extLst>
+          </p:cNvPr>
+          <p:cNvPicPr>
+            <a:picLocks noGrp="1" noChangeAspect="1"/>
+          </p:cNvPicPr>
+          <p:nvPr>
+            <p:ph idx="1"/>
+          </p:nvPr>
+        </p:nvPicPr>
+        <p:blipFill>
+          <a:blip r:embed="rId2"/>
+          <a:srcRect t="28198" b="9699"/>
+          <a:stretch/>
+        </p:blipFill>
+        <p:spPr>
+          <a:xfrm>
+            <a:off x="20" y="2863970"/>
+            <a:ext cx="12191980" cy="3994030"/>
+          </a:xfrm>
+          <a:prstGeom prst="rect">
+            <a:avLst/>
+          </a:prstGeom>
+        </p:spPr>
+      </p:pic>
+      <p:sp>
+        <p:nvSpPr>
+          <p:cNvPr id="2" name="TextBox 1">
+            <a:extLst>
+              <a:ext uri="{FF2B5EF4-FFF2-40B4-BE49-F238E27FC236}">
+                <a16:creationId xmlns:a16="http://schemas.microsoft.com/office/drawing/2014/main" id="{2F3F809E-A286-7851-5285-20B9468AF258}"/>
+              </a:ext>
+            </a:extLst>
+          </p:cNvPr>
+          <p:cNvSpPr txBox="1"/>
+          <p:nvPr/>
+        </p:nvSpPr>
+        <p:spPr>
+          <a:xfrm>
+            <a:off x="548640" y="1014984"/>
+            <a:ext cx="10927975" cy="1362456"/>
+          </a:xfrm>
+          <a:prstGeom prst="rect">
+            <a:avLst/>
+          </a:prstGeom>
+        </p:spPr>
+        <p:txBody>
+          <a:bodyPr vert="horz" lIns="91440" tIns="45720" rIns="91440" bIns="45720" rtlCol="0" anchor="t">
+            <a:normAutofit/>
+          </a:bodyPr>
+          <a:lstStyle/>
+          <a:p>
+            <a:pPr algn="ctr">
+              <a:lnSpc>
+                <a:spcPct val="110000"/>
+              </a:lnSpc>
+              <a:spcAft>
+                <a:spcPts val="600"/>
+              </a:spcAft>
+            </a:pPr>
+            <a:r>
+              <a:rPr lang="en-US" sz="4800"/>
+              <a:t>Data Distribution Visualization</a:t>
+            </a:r>
+          </a:p>
+        </p:txBody>
+      </p:sp>
       <p:cxnSp>
         <p:nvCxnSpPr>
-          <p:cNvPr id="15" name="Straight Connector 14">
-            <a:extLst>
-              <a:ext uri="{FF2B5EF4-FFF2-40B4-BE49-F238E27FC236}">
-                <a16:creationId xmlns:a16="http://schemas.microsoft.com/office/drawing/2014/main" id="{F9600FFC-92AF-4AD3-9595-B0E23476BD05}"/>
+          <p:cNvPr id="22" name="Straight Connector 21">
+            <a:extLst>
+              <a:ext uri="{FF2B5EF4-FFF2-40B4-BE49-F238E27FC236}">
+                <a16:creationId xmlns:a16="http://schemas.microsoft.com/office/drawing/2014/main" id="{A7C10D4C-8DED-200E-3237-3345F3F2A188}"/>
               </a:ext>
               <a:ext uri="{C183D7F6-B498-43B3-948B-1728B52AA6E4}">
                 <adec:decorative xmlns:adec="http://schemas.microsoft.com/office/drawing/2017/decorative" val="1"/>
@@ -5448,9 +5764,9 @@
           </p:nvPr>
         </p:nvCxnSpPr>
         <p:spPr>
-          <a:xfrm flipV="1">
-            <a:off x="3195590" y="661358"/>
-            <a:ext cx="0" cy="5760720"/>
+          <a:xfrm>
+            <a:off x="804672" y="723900"/>
+            <a:ext cx="10588752" cy="0"/>
           </a:xfrm>
           <a:prstGeom prst="line">
             <a:avLst/>
@@ -5476,38 +5792,58 @@
           </a:fontRef>
         </p:style>
       </p:cxnSp>
-      <p:pic>
-        <p:nvPicPr>
-          <p:cNvPr id="4" name="Content Placeholder 3">
-            <a:extLst>
-              <a:ext uri="{FF2B5EF4-FFF2-40B4-BE49-F238E27FC236}">
-                <a16:creationId xmlns:a16="http://schemas.microsoft.com/office/drawing/2014/main" id="{CEF62F42-E189-BFC4-97F5-E5438B124210}"/>
-              </a:ext>
-            </a:extLst>
-          </p:cNvPr>
-          <p:cNvPicPr>
-            <a:picLocks noGrp="1" noChangeAspect="1"/>
-          </p:cNvPicPr>
-          <p:nvPr>
-            <p:ph idx="1"/>
-          </p:nvPr>
-        </p:nvPicPr>
-        <p:blipFill>
-          <a:blip r:embed="rId2"/>
-          <a:stretch>
-            <a:fillRect/>
-          </a:stretch>
-        </p:blipFill>
+      <p:cxnSp>
+        <p:nvCxnSpPr>
+          <p:cNvPr id="24" name="Straight Connector 23">
+            <a:extLst>
+              <a:ext uri="{FF2B5EF4-FFF2-40B4-BE49-F238E27FC236}">
+                <a16:creationId xmlns:a16="http://schemas.microsoft.com/office/drawing/2014/main" id="{E8F7F80F-9EDD-0EEA-B6D7-E116EBA4FAD2}"/>
+              </a:ext>
+              <a:ext uri="{C183D7F6-B498-43B3-948B-1728B52AA6E4}">
+                <adec:decorative xmlns:adec="http://schemas.microsoft.com/office/drawing/2017/decorative" val="1"/>
+              </a:ext>
+            </a:extLst>
+          </p:cNvPr>
+          <p:cNvCxnSpPr>
+            <a:cxnSpLocks noGrp="1" noRot="1" noChangeAspect="1" noMove="1" noResize="1" noEditPoints="1" noAdjustHandles="1" noChangeArrowheads="1" noChangeShapeType="1"/>
+          </p:cNvCxnSpPr>
+          <p:nvPr>
+            <p:extLst>
+              <p:ext uri="{386F3935-93C4-4BCD-93E2-E3B085C9AB24}">
+                <p16:designElem xmlns:p16="http://schemas.microsoft.com/office/powerpoint/2015/main" val="1"/>
+              </p:ext>
+            </p:extLst>
+          </p:nvPr>
+        </p:nvCxnSpPr>
         <p:spPr>
           <a:xfrm>
-            <a:off x="3383329" y="1090504"/>
-            <a:ext cx="8361626" cy="5106138"/>
+            <a:off x="809065" y="2497143"/>
+            <a:ext cx="10582835" cy="0"/>
           </a:xfrm>
-          <a:prstGeom prst="rect">
+          <a:prstGeom prst="line">
             <a:avLst/>
           </a:prstGeom>
+          <a:ln w="12700">
+            <a:solidFill>
+              <a:schemeClr val="tx1"/>
+            </a:solidFill>
+          </a:ln>
         </p:spPr>
-      </p:pic>
+        <p:style>
+          <a:lnRef idx="1">
+            <a:schemeClr val="accent1"/>
+          </a:lnRef>
+          <a:fillRef idx="0">
+            <a:schemeClr val="accent1"/>
+          </a:fillRef>
+          <a:effectRef idx="0">
+            <a:schemeClr val="accent1"/>
+          </a:effectRef>
+          <a:fontRef idx="minor">
+            <a:schemeClr val="tx1"/>
+          </a:fontRef>
+        </p:style>
+      </p:cxnSp>
     </p:spTree>
     <p:extLst>
       <p:ext uri="{BB962C8B-B14F-4D97-AF65-F5344CB8AC3E}">
@@ -5808,7 +6144,7 @@
           <a:p>
             <a:r>
               <a:rPr lang="en-US" sz="5400"/>
-              <a:t>Power BI Dashboards</a:t>
+              <a:t>Dashboard</a:t>
             </a:r>
           </a:p>
         </p:txBody>
@@ -5903,64 +6239,44 @@
           <a:p>
             <a:r>
               <a:rPr lang="en-US"/>
-              <a:t>Power BI Forecasting Dashboard</a:t>
+              <a:t>Forecasting Dashboard</a:t>
             </a:r>
-          </a:p>
-        </p:txBody>
-      </p:sp>
-      <p:sp>
-        <p:nvSpPr>
-          <p:cNvPr id="3" name="Content Placeholder 2">
-            <a:extLst>
-              <a:ext uri="{FF2B5EF4-FFF2-40B4-BE49-F238E27FC236}">
-                <a16:creationId xmlns:a16="http://schemas.microsoft.com/office/drawing/2014/main" id="{422F6ECD-C3B5-4027-FCD5-4E757AF5DC91}"/>
-              </a:ext>
-            </a:extLst>
-          </p:cNvPr>
-          <p:cNvSpPr>
-            <a:spLocks noGrp="1"/>
-          </p:cNvSpPr>
-          <p:nvPr>
-            <p:ph idx="1"/>
-          </p:nvPr>
-        </p:nvSpPr>
-        <p:spPr/>
-        <p:txBody>
-          <a:bodyPr/>
-          <a:lstStyle/>
-          <a:p>
-            <a:endParaRPr lang="en-US"/>
           </a:p>
         </p:txBody>
       </p:sp>
       <p:pic>
         <p:nvPicPr>
-          <p:cNvPr id="4" name="Picture 3">
-            <a:extLst>
-              <a:ext uri="{FF2B5EF4-FFF2-40B4-BE49-F238E27FC236}">
-                <a16:creationId xmlns:a16="http://schemas.microsoft.com/office/drawing/2014/main" id="{20002F15-9E92-0A75-5165-BC9B106E27AC}"/>
+          <p:cNvPr id="6" name="Content Placeholder 5" descr="A screenshot of a graph&#10;&#10;AI-generated content may be incorrect.">
+            <a:extLst>
+              <a:ext uri="{FF2B5EF4-FFF2-40B4-BE49-F238E27FC236}">
+                <a16:creationId xmlns:a16="http://schemas.microsoft.com/office/drawing/2014/main" id="{B8311AD6-9C37-840F-A55E-D502F045A056}"/>
               </a:ext>
             </a:extLst>
           </p:cNvPr>
           <p:cNvPicPr>
-            <a:picLocks noChangeAspect="1"/>
+            <a:picLocks noGrp="1" noChangeAspect="1"/>
           </p:cNvPicPr>
-          <p:nvPr/>
+          <p:nvPr>
+            <p:ph idx="1"/>
+          </p:nvPr>
         </p:nvPicPr>
         <p:blipFill>
-          <a:blip r:embed="rId2"/>
+          <a:blip r:embed="rId2">
+            <a:extLst>
+              <a:ext uri="{28A0092B-C50C-407E-A947-70E740481C1C}">
+                <a14:useLocalDpi xmlns:a14="http://schemas.microsoft.com/office/drawing/2010/main" val="0"/>
+              </a:ext>
+            </a:extLst>
+          </a:blip>
           <a:stretch>
             <a:fillRect/>
           </a:stretch>
         </p:blipFill>
         <p:spPr>
           <a:xfrm>
-            <a:off x="899472" y="2177361"/>
-            <a:ext cx="10492428" cy="4459224"/>
+            <a:off x="700634" y="1934862"/>
+            <a:ext cx="11149989" cy="4721324"/>
           </a:xfrm>
-          <a:prstGeom prst="rect">
-            <a:avLst/>
-          </a:prstGeom>
         </p:spPr>
       </p:pic>
     </p:spTree>
@@ -6003,7 +6319,7 @@
       </p:grpSpPr>
       <p:cxnSp>
         <p:nvCxnSpPr>
-          <p:cNvPr id="10" name="Straight Connector 9">
+          <p:cNvPr id="21" name="Straight Connector 20">
             <a:extLst>
               <a:ext uri="{FF2B5EF4-FFF2-40B4-BE49-F238E27FC236}">
                 <a16:creationId xmlns:a16="http://schemas.microsoft.com/office/drawing/2014/main" id="{F64F9B95-9045-48D2-B9F3-2927E98F54AA}"/>
@@ -6055,7 +6371,7 @@
       </p:cxnSp>
       <p:cxnSp>
         <p:nvCxnSpPr>
-          <p:cNvPr id="12" name="Straight Connector 11">
+          <p:cNvPr id="23" name="Straight Connector 22">
             <a:extLst>
               <a:ext uri="{FF2B5EF4-FFF2-40B4-BE49-F238E27FC236}">
                 <a16:creationId xmlns:a16="http://schemas.microsoft.com/office/drawing/2014/main" id="{085AA86F-6A4D-4BCB-A045-D992CDC2959B}"/>
@@ -6107,10 +6423,10 @@
       </p:cxnSp>
       <p:sp useBgFill="1">
         <p:nvSpPr>
-          <p:cNvPr id="14" name="Rectangle 13">
-            <a:extLst>
-              <a:ext uri="{FF2B5EF4-FFF2-40B4-BE49-F238E27FC236}">
-                <a16:creationId xmlns:a16="http://schemas.microsoft.com/office/drawing/2014/main" id="{33E93247-6229-44AB-A550-739E971E690B}"/>
+          <p:cNvPr id="25" name="Rectangle 24">
+            <a:extLst>
+              <a:ext uri="{FF2B5EF4-FFF2-40B4-BE49-F238E27FC236}">
+                <a16:creationId xmlns:a16="http://schemas.microsoft.com/office/drawing/2014/main" id="{DEF92653-5D6D-47E6-8744-0DAF76E049C4}"/>
               </a:ext>
               <a:ext uri="{C183D7F6-B498-43B3-948B-1728B52AA6E4}">
                 <adec:decorative xmlns:adec="http://schemas.microsoft.com/office/drawing/2017/decorative" val="1"/>
@@ -6199,18 +6515,19 @@
         </p:nvSpPr>
         <p:spPr>
           <a:xfrm>
-            <a:off x="685800" y="899024"/>
-            <a:ext cx="3076032" cy="3914947"/>
+            <a:off x="800102" y="960594"/>
+            <a:ext cx="5828114" cy="4936812"/>
           </a:xfrm>
         </p:spPr>
         <p:txBody>
-          <a:bodyPr vert="horz" lIns="91440" tIns="45720" rIns="91440" bIns="45720" rtlCol="0" anchor="t">
+          <a:bodyPr vert="horz" lIns="91440" tIns="45720" rIns="91440" bIns="45720" rtlCol="0" anchor="ctr">
             <a:normAutofit/>
           </a:bodyPr>
           <a:lstStyle/>
           <a:p>
+            <a:pPr algn="r"/>
             <a:r>
-              <a:rPr lang="en-US"/>
+              <a:rPr lang="en-US" sz="6000"/>
               <a:t>Thank You</a:t>
             </a:r>
           </a:p>
@@ -6218,10 +6535,10 @@
       </p:sp>
       <p:cxnSp>
         <p:nvCxnSpPr>
-          <p:cNvPr id="16" name="Straight Connector 15">
-            <a:extLst>
-              <a:ext uri="{FF2B5EF4-FFF2-40B4-BE49-F238E27FC236}">
-                <a16:creationId xmlns:a16="http://schemas.microsoft.com/office/drawing/2014/main" id="{EE2E603F-4A95-4FE8-BB06-211DFD75DBEF}"/>
+          <p:cNvPr id="27" name="Straight Connector 26">
+            <a:extLst>
+              <a:ext uri="{FF2B5EF4-FFF2-40B4-BE49-F238E27FC236}">
+                <a16:creationId xmlns:a16="http://schemas.microsoft.com/office/drawing/2014/main" id="{9CA98CE3-81A7-4FFE-A047-9AA65998D877}"/>
               </a:ext>
               <a:ext uri="{C183D7F6-B498-43B3-948B-1728B52AA6E4}">
                 <adec:decorative xmlns:adec="http://schemas.microsoft.com/office/drawing/2017/decorative" val="1"/>
@@ -6240,9 +6557,9 @@
           </p:nvPr>
         </p:nvCxnSpPr>
         <p:spPr>
-          <a:xfrm>
-            <a:off x="800100" y="723900"/>
-            <a:ext cx="1371600" cy="0"/>
+          <a:xfrm flipV="1">
+            <a:off x="7315200" y="1733549"/>
+            <a:ext cx="0" cy="3390901"/>
           </a:xfrm>
           <a:prstGeom prst="line">
             <a:avLst/>
@@ -6268,45 +6585,6 @@
           </a:fontRef>
         </p:style>
       </p:cxnSp>
-      <p:pic>
-        <p:nvPicPr>
-          <p:cNvPr id="7" name="Graphic 6" descr="Smiling Face with No Fill">
-            <a:extLst>
-              <a:ext uri="{FF2B5EF4-FFF2-40B4-BE49-F238E27FC236}">
-                <a16:creationId xmlns:a16="http://schemas.microsoft.com/office/drawing/2014/main" id="{673F0918-AD06-8DE4-BD31-B43B521B92FB}"/>
-              </a:ext>
-            </a:extLst>
-          </p:cNvPr>
-          <p:cNvPicPr>
-            <a:picLocks noChangeAspect="1"/>
-          </p:cNvPicPr>
-          <p:nvPr/>
-        </p:nvPicPr>
-        <p:blipFill>
-          <a:blip r:embed="rId2">
-            <a:extLst>
-              <a:ext uri="{28A0092B-C50C-407E-A947-70E740481C1C}">
-                <a14:useLocalDpi xmlns:a14="http://schemas.microsoft.com/office/drawing/2010/main" val="0"/>
-              </a:ext>
-              <a:ext uri="{96DAC541-7B7A-43D3-8B79-37D633B846F1}">
-                <asvg:svgBlip xmlns:asvg="http://schemas.microsoft.com/office/drawing/2016/SVG/main" r:embed="rId3"/>
-              </a:ext>
-            </a:extLst>
-          </a:blip>
-          <a:stretch>
-            <a:fillRect/>
-          </a:stretch>
-        </p:blipFill>
-        <p:spPr>
-          <a:xfrm>
-            <a:off x="5010149" y="723901"/>
-            <a:ext cx="5410200" cy="5410200"/>
-          </a:xfrm>
-          <a:prstGeom prst="rect">
-            <a:avLst/>
-          </a:prstGeom>
-        </p:spPr>
-      </p:pic>
     </p:spTree>
     <p:extLst>
       <p:ext uri="{BB962C8B-B14F-4D97-AF65-F5344CB8AC3E}">
@@ -6347,10 +6625,10 @@
       </p:grpSpPr>
       <p:sp useBgFill="1">
         <p:nvSpPr>
-          <p:cNvPr id="10" name="Rectangle 9">
-            <a:extLst>
-              <a:ext uri="{FF2B5EF4-FFF2-40B4-BE49-F238E27FC236}">
-                <a16:creationId xmlns:a16="http://schemas.microsoft.com/office/drawing/2014/main" id="{E49D7415-2F11-44C2-B6AA-13A25B6814B9}"/>
+          <p:cNvPr id="19" name="Rectangle 18">
+            <a:extLst>
+              <a:ext uri="{FF2B5EF4-FFF2-40B4-BE49-F238E27FC236}">
+                <a16:creationId xmlns:a16="http://schemas.microsoft.com/office/drawing/2014/main" id="{660EB578-C970-4186-B93C-45851BBC6E34}"/>
               </a:ext>
               <a:ext uri="{C183D7F6-B498-43B3-948B-1728B52AA6E4}">
                 <adec:decorative xmlns:adec="http://schemas.microsoft.com/office/drawing/2017/decorative" val="1"/>
@@ -6423,346 +6701,6 @@
       </p:sp>
       <p:pic>
         <p:nvPicPr>
-          <p:cNvPr id="6" name="Picture 5">
-            <a:extLst>
-              <a:ext uri="{FF2B5EF4-FFF2-40B4-BE49-F238E27FC236}">
-                <a16:creationId xmlns:a16="http://schemas.microsoft.com/office/drawing/2014/main" id="{662B4228-4176-B95C-A809-C52B85AD5457}"/>
-              </a:ext>
-            </a:extLst>
-          </p:cNvPr>
-          <p:cNvPicPr>
-            <a:picLocks noChangeAspect="1"/>
-          </p:cNvPicPr>
-          <p:nvPr/>
-        </p:nvPicPr>
-        <p:blipFill>
-          <a:blip r:embed="rId2"/>
-          <a:srcRect l="51558" r="6112" b="-1"/>
-          <a:stretch/>
-        </p:blipFill>
-        <p:spPr>
-          <a:xfrm>
-            <a:off x="20" y="-1"/>
-            <a:ext cx="4663420" cy="6858001"/>
-          </a:xfrm>
-          <a:prstGeom prst="rect">
-            <a:avLst/>
-          </a:prstGeom>
-        </p:spPr>
-      </p:pic>
-      <p:sp>
-        <p:nvSpPr>
-          <p:cNvPr id="2" name="Title 1">
-            <a:extLst>
-              <a:ext uri="{FF2B5EF4-FFF2-40B4-BE49-F238E27FC236}">
-                <a16:creationId xmlns:a16="http://schemas.microsoft.com/office/drawing/2014/main" id="{D5913CA2-0C7D-3D25-554B-373FDBF47BE4}"/>
-              </a:ext>
-            </a:extLst>
-          </p:cNvPr>
-          <p:cNvSpPr>
-            <a:spLocks noGrp="1"/>
-          </p:cNvSpPr>
-          <p:nvPr>
-            <p:ph type="title"/>
-          </p:nvPr>
-        </p:nvSpPr>
-        <p:spPr>
-          <a:xfrm>
-            <a:off x="5248656" y="914400"/>
-            <a:ext cx="6236208" cy="1307592"/>
-          </a:xfrm>
-        </p:spPr>
-        <p:txBody>
-          <a:bodyPr>
-            <a:normAutofit/>
-          </a:bodyPr>
-          <a:lstStyle/>
-          <a:p>
-            <a:r>
-              <a:rPr lang="en-US"/>
-              <a:t>Abstract</a:t>
-            </a:r>
-          </a:p>
-        </p:txBody>
-      </p:sp>
-      <p:sp>
-        <p:nvSpPr>
-          <p:cNvPr id="4" name="Rectangle 1">
-            <a:extLst>
-              <a:ext uri="{FF2B5EF4-FFF2-40B4-BE49-F238E27FC236}">
-                <a16:creationId xmlns:a16="http://schemas.microsoft.com/office/drawing/2014/main" id="{2215357B-8F2F-C8BE-38CF-A7C605B419D8}"/>
-              </a:ext>
-            </a:extLst>
-          </p:cNvPr>
-          <p:cNvSpPr>
-            <a:spLocks noGrp="1" noChangeArrowheads="1"/>
-          </p:cNvSpPr>
-          <p:nvPr>
-            <p:ph idx="1"/>
-          </p:nvPr>
-        </p:nvSpPr>
-        <p:spPr bwMode="auto">
-          <a:xfrm>
-            <a:off x="5248656" y="2221992"/>
-            <a:ext cx="6236208" cy="3941064"/>
-          </a:xfrm>
-          <a:prstGeom prst="rect">
-            <a:avLst/>
-          </a:prstGeom>
-          <a:extLst>
-            <a:ext uri="{909E8E84-426E-40DD-AFC4-6F175D3DCCD1}">
-              <a14:hiddenFill xmlns:a14="http://schemas.microsoft.com/office/drawing/2010/main">
-                <a:solidFill>
-                  <a:schemeClr val="accent1"/>
-                </a:solidFill>
-              </a14:hiddenFill>
-            </a:ext>
-            <a:ext uri="{91240B29-F687-4F45-9708-019B960494DF}">
-              <a14:hiddenLine xmlns:a14="http://schemas.microsoft.com/office/drawing/2010/main" w="9525">
-                <a:solidFill>
-                  <a:schemeClr val="tx1"/>
-                </a:solidFill>
-                <a:miter lim="800000"/>
-                <a:headEnd/>
-                <a:tailEnd/>
-              </a14:hiddenLine>
-            </a:ext>
-            <a:ext uri="{AF507438-7753-43E0-B8FC-AC1667EBCBE1}">
-              <a14:hiddenEffects xmlns:a14="http://schemas.microsoft.com/office/drawing/2010/main">
-                <a:effectLst>
-                  <a:outerShdw dist="35921" dir="2700000" algn="ctr" rotWithShape="0">
-                    <a:schemeClr val="bg2"/>
-                  </a:outerShdw>
-                </a:effectLst>
-              </a14:hiddenEffects>
-            </a:ext>
-          </a:extLst>
-        </p:spPr>
-        <p:txBody>
-          <a:bodyPr vert="horz" lIns="91440" tIns="45720" rIns="91440" bIns="45720" numCol="1" anchorCtr="0" compatLnSpc="1">
-            <a:prstTxWarp prst="textNoShape">
-              <a:avLst/>
-            </a:prstTxWarp>
-            <a:normAutofit/>
-          </a:bodyPr>
-          <a:lstStyle/>
-          <a:p>
-            <a:pPr marL="0" marR="0" lvl="0" indent="0" algn="just" defTabSz="914400" rtl="0" eaLnBrk="0" fontAlgn="base" latinLnBrk="0" hangingPunct="0">
-              <a:spcBef>
-                <a:spcPct val="0"/>
-              </a:spcBef>
-              <a:spcAft>
-                <a:spcPts val="600"/>
-              </a:spcAft>
-              <a:buClrTx/>
-              <a:buSzTx/>
-              <a:buFontTx/>
-              <a:buNone/>
-              <a:tabLst/>
-            </a:pPr>
-            <a:r>
-              <a:rPr kumimoji="0" lang="en-US" altLang="en-US" b="0" i="0" u="none" strike="noStrike" cap="none" normalizeH="0" baseline="0">
-                <a:ln>
-                  <a:noFill/>
-                </a:ln>
-                <a:effectLst/>
-                <a:latin typeface="Arial" panose="020B0604020202020204" pitchFamily="34" charset="0"/>
-              </a:rPr>
-              <a:t>This project develops an advanced electricity consumption forecasting model using ML techniques like ARIMA, SARIMA, and TBATS. It enhances accuracy by capturing non-linear energy patterns influenced by economic, climatic, and global factors. Key aspects include data augmentation, feature engineering, and a scalable, adaptable approach. The final model is deployed via a web interface to support efficient energy management.</a:t>
-            </a:r>
-          </a:p>
-          <a:p>
-            <a:pPr marL="0" marR="0" lvl="0" indent="0" algn="just" defTabSz="914400" rtl="0" eaLnBrk="0" fontAlgn="base" latinLnBrk="0" hangingPunct="0">
-              <a:spcBef>
-                <a:spcPct val="0"/>
-              </a:spcBef>
-              <a:spcAft>
-                <a:spcPts val="600"/>
-              </a:spcAft>
-              <a:buClrTx/>
-              <a:buSzTx/>
-              <a:buFontTx/>
-              <a:buNone/>
-              <a:tabLst/>
-            </a:pPr>
-            <a:endParaRPr kumimoji="0" lang="en-US" altLang="en-US" b="0" i="0" u="none" strike="noStrike" cap="none" normalizeH="0" baseline="0">
-              <a:ln>
-                <a:noFill/>
-              </a:ln>
-              <a:effectLst/>
-              <a:latin typeface="Arial" panose="020B0604020202020204" pitchFamily="34" charset="0"/>
-            </a:endParaRPr>
-          </a:p>
-        </p:txBody>
-      </p:sp>
-      <p:cxnSp>
-        <p:nvCxnSpPr>
-          <p:cNvPr id="12" name="Straight Connector 11">
-            <a:extLst>
-              <a:ext uri="{FF2B5EF4-FFF2-40B4-BE49-F238E27FC236}">
-                <a16:creationId xmlns:a16="http://schemas.microsoft.com/office/drawing/2014/main" id="{D2E57F3D-33BE-4306-87E6-245763719516}"/>
-              </a:ext>
-              <a:ext uri="{C183D7F6-B498-43B3-948B-1728B52AA6E4}">
-                <adec:decorative xmlns:adec="http://schemas.microsoft.com/office/drawing/2017/decorative" val="1"/>
-              </a:ext>
-            </a:extLst>
-          </p:cNvPr>
-          <p:cNvCxnSpPr>
-            <a:cxnSpLocks noGrp="1" noRot="1" noChangeAspect="1" noMove="1" noResize="1" noEditPoints="1" noAdjustHandles="1" noChangeArrowheads="1" noChangeShapeType="1"/>
-          </p:cNvCxnSpPr>
-          <p:nvPr>
-            <p:extLst>
-              <p:ext uri="{386F3935-93C4-4BCD-93E2-E3B085C9AB24}">
-                <p16:designElem xmlns:p16="http://schemas.microsoft.com/office/powerpoint/2015/main" val="1"/>
-              </p:ext>
-            </p:extLst>
-          </p:nvPr>
-        </p:nvCxnSpPr>
-        <p:spPr>
-          <a:xfrm>
-            <a:off x="5346871" y="722376"/>
-            <a:ext cx="1638300" cy="0"/>
-          </a:xfrm>
-          <a:prstGeom prst="line">
-            <a:avLst/>
-          </a:prstGeom>
-          <a:ln w="44450">
-            <a:solidFill>
-              <a:schemeClr val="tx1"/>
-            </a:solidFill>
-          </a:ln>
-        </p:spPr>
-        <p:style>
-          <a:lnRef idx="1">
-            <a:schemeClr val="accent1"/>
-          </a:lnRef>
-          <a:fillRef idx="0">
-            <a:schemeClr val="accent1"/>
-          </a:fillRef>
-          <a:effectRef idx="0">
-            <a:schemeClr val="accent1"/>
-          </a:effectRef>
-          <a:fontRef idx="minor">
-            <a:schemeClr val="tx1"/>
-          </a:fontRef>
-        </p:style>
-      </p:cxnSp>
-    </p:spTree>
-    <p:extLst>
-      <p:ext uri="{BB962C8B-B14F-4D97-AF65-F5344CB8AC3E}">
-        <p14:creationId xmlns:p14="http://schemas.microsoft.com/office/powerpoint/2010/main" val="1866807451"/>
-      </p:ext>
-    </p:extLst>
-  </p:cSld>
-  <p:clrMapOvr>
-    <a:masterClrMapping/>
-  </p:clrMapOvr>
-</p:sld>
-</file>
-
-<file path=ppt/slides/slide3.xml><?xml version="1.0" encoding="utf-8"?>
-<p:sld xmlns:a="http://schemas.openxmlformats.org/drawingml/2006/main" xmlns:r="http://schemas.openxmlformats.org/officeDocument/2006/relationships" xmlns:p="http://schemas.openxmlformats.org/presentationml/2006/main">
-  <p:cSld>
-    <p:bg>
-      <p:bgPr>
-        <a:solidFill>
-          <a:schemeClr val="bg1"/>
-        </a:solidFill>
-        <a:effectLst/>
-      </p:bgPr>
-    </p:bg>
-    <p:spTree>
-      <p:nvGrpSpPr>
-        <p:cNvPr id="1" name=""/>
-        <p:cNvGrpSpPr/>
-        <p:nvPr/>
-      </p:nvGrpSpPr>
-      <p:grpSpPr>
-        <a:xfrm>
-          <a:off x="0" y="0"/>
-          <a:ext cx="0" cy="0"/>
-          <a:chOff x="0" y="0"/>
-          <a:chExt cx="0" cy="0"/>
-        </a:xfrm>
-      </p:grpSpPr>
-      <p:sp useBgFill="1">
-        <p:nvSpPr>
-          <p:cNvPr id="19" name="Rectangle 18">
-            <a:extLst>
-              <a:ext uri="{FF2B5EF4-FFF2-40B4-BE49-F238E27FC236}">
-                <a16:creationId xmlns:a16="http://schemas.microsoft.com/office/drawing/2014/main" id="{660EB578-C970-4186-B93C-45851BBC6E34}"/>
-              </a:ext>
-              <a:ext uri="{C183D7F6-B498-43B3-948B-1728B52AA6E4}">
-                <adec:decorative xmlns:adec="http://schemas.microsoft.com/office/drawing/2017/decorative" val="1"/>
-              </a:ext>
-            </a:extLst>
-          </p:cNvPr>
-          <p:cNvSpPr>
-            <a:spLocks noGrp="1" noRot="1" noChangeAspect="1" noMove="1" noResize="1" noEditPoints="1" noAdjustHandles="1" noChangeArrowheads="1" noChangeShapeType="1" noTextEdit="1"/>
-          </p:cNvSpPr>
-          <p:nvPr>
-            <p:extLst>
-              <p:ext uri="{386F3935-93C4-4BCD-93E2-E3B085C9AB24}">
-                <p16:designElem xmlns:p16="http://schemas.microsoft.com/office/powerpoint/2015/main" val="1"/>
-              </p:ext>
-            </p:extLst>
-          </p:nvPr>
-        </p:nvSpPr>
-        <p:spPr>
-          <a:xfrm>
-            <a:off x="0" y="0"/>
-            <a:ext cx="12192000" cy="6858000"/>
-          </a:xfrm>
-          <a:prstGeom prst="rect">
-            <a:avLst/>
-          </a:prstGeom>
-          <a:ln w="12700" cap="flat" cmpd="sng" algn="ctr">
-            <a:noFill/>
-            <a:prstDash val="solid"/>
-            <a:miter lim="800000"/>
-          </a:ln>
-          <a:effectLst/>
-          <a:extLst>
-            <a:ext uri="{91240B29-F687-4F45-9708-019B960494DF}">
-              <a14:hiddenLine xmlns:a14="http://schemas.microsoft.com/office/drawing/2010/main" w="12700" cap="flat" cmpd="sng" algn="ctr">
-                <a:solidFill>
-                  <a:schemeClr val="accent1">
-                    <a:shade val="50000"/>
-                  </a:schemeClr>
-                </a:solidFill>
-                <a:prstDash val="solid"/>
-                <a:miter lim="800000"/>
-              </a14:hiddenLine>
-            </a:ext>
-          </a:extLst>
-        </p:spPr>
-        <p:style>
-          <a:lnRef idx="2">
-            <a:schemeClr val="accent1">
-              <a:shade val="50000"/>
-            </a:schemeClr>
-          </a:lnRef>
-          <a:fillRef idx="1">
-            <a:schemeClr val="accent1"/>
-          </a:fillRef>
-          <a:effectRef idx="0">
-            <a:schemeClr val="accent1"/>
-          </a:effectRef>
-          <a:fontRef idx="minor">
-            <a:schemeClr val="lt1"/>
-          </a:fontRef>
-        </p:style>
-        <p:txBody>
-          <a:bodyPr rtlCol="0" anchor="ctr"/>
-          <a:lstStyle/>
-          <a:p>
-            <a:pPr algn="ctr"/>
-            <a:endParaRPr lang="en-US"/>
-          </a:p>
-        </p:txBody>
-      </p:sp>
-      <p:pic>
-        <p:nvPicPr>
           <p:cNvPr id="6" name="Picture 5" descr="Digital financial graph">
             <a:extLst>
               <a:ext uri="{FF2B5EF4-FFF2-40B4-BE49-F238E27FC236}">
@@ -6820,7 +6758,7 @@
           <a:p>
             <a:r>
               <a:rPr lang="en-US"/>
-              <a:t>objective</a:t>
+              <a:t>Introduction</a:t>
             </a:r>
           </a:p>
         </p:txBody>
@@ -7052,7 +6990,7 @@
 </p:sld>
 </file>
 
-<file path=ppt/slides/slide4.xml><?xml version="1.0" encoding="utf-8"?>
+<file path=ppt/slides/slide3.xml><?xml version="1.0" encoding="utf-8"?>
 <p:sld xmlns:a="http://schemas.openxmlformats.org/drawingml/2006/main" xmlns:r="http://schemas.openxmlformats.org/officeDocument/2006/relationships" xmlns:p="http://schemas.openxmlformats.org/presentationml/2006/main">
   <p:cSld>
     <p:bg>
@@ -7278,7 +7216,7 @@
                 <a:ea typeface="Calibri"/>
                 <a:cs typeface="Calibri"/>
               </a:rPr>
-              <a:t>Hardware:</a:t>
+              <a:t>Hardware (Recommended):</a:t>
             </a:r>
             <a:r>
               <a:rPr lang="en-US" sz="1400" cap="small">
@@ -7417,7 +7355,7 @@
                 <a:ea typeface="Calibri"/>
                 <a:cs typeface="Calibri"/>
               </a:rPr>
-              <a:t>Software:</a:t>
+              <a:t>Software (Recommended):</a:t>
             </a:r>
             <a:r>
               <a:rPr lang="en-US" sz="1400" cap="small">
@@ -7465,23 +7403,7 @@
                 <a:ea typeface="Calibri"/>
                 <a:cs typeface="Calibri"/>
               </a:rPr>
-              <a:t>Text Editors: </a:t>
-            </a:r>
-            <a:r>
-              <a:rPr lang="en-US" sz="1400" cap="small" err="1">
-                <a:latin typeface="Calibri"/>
-                <a:ea typeface="Calibri"/>
-                <a:cs typeface="Calibri"/>
-              </a:rPr>
-              <a:t>Vscode</a:t>
-            </a:r>
-            <a:r>
-              <a:rPr lang="en-US" sz="1400" cap="small">
-                <a:latin typeface="Calibri"/>
-                <a:ea typeface="Calibri"/>
-                <a:cs typeface="Calibri"/>
-              </a:rPr>
-              <a:t>, Anaconda Jupyter </a:t>
+              <a:t>Text Editors: VsCode, Anaconda Jupyter </a:t>
             </a:r>
             <a:endParaRPr lang="en-US" sz="1400">
               <a:latin typeface="Aptos" panose="02110004020202020204"/>
@@ -7864,7 +7786,7 @@
 </p:sld>
 </file>
 
-<file path=ppt/slides/slide5.xml><?xml version="1.0" encoding="utf-8"?>
+<file path=ppt/slides/slide4.xml><?xml version="1.0" encoding="utf-8"?>
 <p:sld xmlns:a="http://schemas.openxmlformats.org/drawingml/2006/main" xmlns:r="http://schemas.openxmlformats.org/officeDocument/2006/relationships" xmlns:p="http://schemas.openxmlformats.org/presentationml/2006/main">
   <p:cSld>
     <p:bg>
@@ -8252,17 +8174,9 @@
 </p:sld>
 </file>
 
-<file path=ppt/slides/slide6.xml><?xml version="1.0" encoding="utf-8"?>
+<file path=ppt/slides/slide5.xml><?xml version="1.0" encoding="utf-8"?>
 <p:sld xmlns:a="http://schemas.openxmlformats.org/drawingml/2006/main" xmlns:r="http://schemas.openxmlformats.org/officeDocument/2006/relationships" xmlns:p="http://schemas.openxmlformats.org/presentationml/2006/main">
   <p:cSld>
-    <p:bg>
-      <p:bgPr>
-        <a:solidFill>
-          <a:schemeClr val="bg1"/>
-        </a:solidFill>
-        <a:effectLst/>
-      </p:bgPr>
-    </p:bg>
     <p:spTree>
       <p:nvGrpSpPr>
         <p:cNvPr id="1" name=""/>
@@ -8277,88 +8191,43 @@
           <a:chExt cx="0" cy="0"/>
         </a:xfrm>
       </p:grpSpPr>
-      <p:sp useBgFill="1">
+      <p:sp>
         <p:nvSpPr>
-          <p:cNvPr id="9" name="Rectangle 8">
-            <a:extLst>
-              <a:ext uri="{FF2B5EF4-FFF2-40B4-BE49-F238E27FC236}">
-                <a16:creationId xmlns:a16="http://schemas.microsoft.com/office/drawing/2014/main" id="{E49D7415-2F11-44C2-B6AA-13A25B6814B9}"/>
-              </a:ext>
-              <a:ext uri="{C183D7F6-B498-43B3-948B-1728B52AA6E4}">
-                <adec:decorative xmlns:adec="http://schemas.microsoft.com/office/drawing/2017/decorative" val="1"/>
+          <p:cNvPr id="2" name="Title 1">
+            <a:extLst>
+              <a:ext uri="{FF2B5EF4-FFF2-40B4-BE49-F238E27FC236}">
+                <a16:creationId xmlns:a16="http://schemas.microsoft.com/office/drawing/2014/main" id="{B9ED9288-B5E1-DCCB-1E9F-4A1CA5A3CFDA}"/>
               </a:ext>
             </a:extLst>
           </p:cNvPr>
           <p:cNvSpPr>
-            <a:spLocks noGrp="1" noRot="1" noChangeAspect="1" noMove="1" noResize="1" noEditPoints="1" noAdjustHandles="1" noChangeArrowheads="1" noChangeShapeType="1" noTextEdit="1"/>
+            <a:spLocks noGrp="1"/>
           </p:cNvSpPr>
           <p:nvPr>
-            <p:extLst>
-              <p:ext uri="{386F3935-93C4-4BCD-93E2-E3B085C9AB24}">
-                <p16:designElem xmlns:p16="http://schemas.microsoft.com/office/powerpoint/2015/main" val="1"/>
-              </p:ext>
-            </p:extLst>
+            <p:ph type="title"/>
           </p:nvPr>
         </p:nvSpPr>
-        <p:spPr>
-          <a:xfrm>
-            <a:off x="0" y="0"/>
-            <a:ext cx="12192000" cy="6858000"/>
-          </a:xfrm>
-          <a:prstGeom prst="rect">
-            <a:avLst/>
-          </a:prstGeom>
-          <a:ln w="12700" cap="flat" cmpd="sng" algn="ctr">
-            <a:noFill/>
-            <a:prstDash val="solid"/>
-            <a:miter lim="800000"/>
-          </a:ln>
-          <a:effectLst/>
-          <a:extLst>
-            <a:ext uri="{91240B29-F687-4F45-9708-019B960494DF}">
-              <a14:hiddenLine xmlns:a14="http://schemas.microsoft.com/office/drawing/2010/main" w="12700" cap="flat" cmpd="sng" algn="ctr">
-                <a:solidFill>
-                  <a:schemeClr val="accent1">
-                    <a:shade val="50000"/>
-                  </a:schemeClr>
-                </a:solidFill>
-                <a:prstDash val="solid"/>
-                <a:miter lim="800000"/>
-              </a14:hiddenLine>
-            </a:ext>
-          </a:extLst>
-        </p:spPr>
-        <p:style>
-          <a:lnRef idx="2">
-            <a:schemeClr val="accent1">
-              <a:shade val="50000"/>
-            </a:schemeClr>
-          </a:lnRef>
-          <a:fillRef idx="1">
-            <a:schemeClr val="accent1"/>
-          </a:fillRef>
-          <a:effectRef idx="0">
-            <a:schemeClr val="accent1"/>
-          </a:effectRef>
-          <a:fontRef idx="minor">
-            <a:schemeClr val="lt1"/>
-          </a:fontRef>
-        </p:style>
+        <p:spPr/>
         <p:txBody>
-          <a:bodyPr rtlCol="0" anchor="ctr"/>
+          <a:bodyPr/>
           <a:lstStyle/>
           <a:p>
-            <a:pPr algn="ctr"/>
-            <a:endParaRPr lang="en-US"/>
+            <a:r>
+              <a:rPr lang="en-US"/>
+              <a:t>Code Snippets</a:t>
+            </a:r>
           </a:p>
         </p:txBody>
       </p:sp>
       <p:pic>
         <p:nvPicPr>
-          <p:cNvPr id="5" name="Picture 4" descr="Digital financial graph">
-            <a:extLst>
-              <a:ext uri="{FF2B5EF4-FFF2-40B4-BE49-F238E27FC236}">
-                <a16:creationId xmlns:a16="http://schemas.microsoft.com/office/drawing/2014/main" id="{26DE5C18-A161-A591-E24A-E13517D133F1}"/>
+          <p:cNvPr id="5" name="Picture 4">
+            <a:extLst>
+              <a:ext uri="{FF2B5EF4-FFF2-40B4-BE49-F238E27FC236}">
+                <a16:creationId xmlns:a16="http://schemas.microsoft.com/office/drawing/2014/main" id="{6C08C087-5C50-E3E7-3CC8-21A3B5F8D94F}"/>
+              </a:ext>
+              <a:ext uri="{C183D7F6-B498-43B3-948B-1728B52AA6E4}">
+                <adec:decorative xmlns:adec="http://schemas.microsoft.com/office/drawing/2017/decorative" val="0"/>
               </a:ext>
             </a:extLst>
           </p:cNvPr>
@@ -8369,13 +8238,14 @@
         </p:nvPicPr>
         <p:blipFill>
           <a:blip r:embed="rId2"/>
-          <a:srcRect l="32856" r="17569"/>
-          <a:stretch/>
+          <a:stretch>
+            <a:fillRect/>
+          </a:stretch>
         </p:blipFill>
         <p:spPr>
           <a:xfrm>
-            <a:off x="20" y="10"/>
-            <a:ext cx="6044164" cy="6857990"/>
+            <a:off x="232863" y="1819911"/>
+            <a:ext cx="7154273" cy="1514686"/>
           </a:xfrm>
           <a:prstGeom prst="rect">
             <a:avLst/>
@@ -8384,10 +8254,169 @@
       </p:pic>
       <p:sp>
         <p:nvSpPr>
+          <p:cNvPr id="6" name="TextBox 5">
+            <a:extLst>
+              <a:ext uri="{FF2B5EF4-FFF2-40B4-BE49-F238E27FC236}">
+                <a16:creationId xmlns:a16="http://schemas.microsoft.com/office/drawing/2014/main" id="{9401F3C8-FC6C-9DFA-5D03-FB6A3DDBB1D6}"/>
+              </a:ext>
+            </a:extLst>
+          </p:cNvPr>
+          <p:cNvSpPr txBox="1"/>
+          <p:nvPr/>
+        </p:nvSpPr>
+        <p:spPr>
+          <a:xfrm>
+            <a:off x="1309512" y="3324579"/>
+            <a:ext cx="2024978" cy="369332"/>
+          </a:xfrm>
+          <a:prstGeom prst="rect">
+            <a:avLst/>
+          </a:prstGeom>
+          <a:noFill/>
+        </p:spPr>
+        <p:txBody>
+          <a:bodyPr wrap="none" rtlCol="0">
+            <a:spAutoFit/>
+          </a:bodyPr>
+          <a:lstStyle/>
+          <a:p>
+            <a:r>
+              <a:rPr lang="en-US"/>
+              <a:t>Libraries Imported</a:t>
+            </a:r>
+          </a:p>
+        </p:txBody>
+      </p:sp>
+      <p:pic>
+        <p:nvPicPr>
+          <p:cNvPr id="8" name="Picture 7">
+            <a:extLst>
+              <a:ext uri="{FF2B5EF4-FFF2-40B4-BE49-F238E27FC236}">
+                <a16:creationId xmlns:a16="http://schemas.microsoft.com/office/drawing/2014/main" id="{6A186BAD-AB2F-67DF-8D01-0781E97F9E9C}"/>
+              </a:ext>
+            </a:extLst>
+          </p:cNvPr>
+          <p:cNvPicPr>
+            <a:picLocks noChangeAspect="1"/>
+          </p:cNvPicPr>
+          <p:nvPr/>
+        </p:nvPicPr>
+        <p:blipFill>
+          <a:blip r:embed="rId3"/>
+          <a:stretch>
+            <a:fillRect/>
+          </a:stretch>
+        </p:blipFill>
+        <p:spPr>
+          <a:xfrm>
+            <a:off x="4076661" y="3433375"/>
+            <a:ext cx="7783011" cy="1448002"/>
+          </a:xfrm>
+          <a:prstGeom prst="rect">
+            <a:avLst/>
+          </a:prstGeom>
+        </p:spPr>
+      </p:pic>
+      <p:sp>
+        <p:nvSpPr>
+          <p:cNvPr id="9" name="TextBox 8">
+            <a:extLst>
+              <a:ext uri="{FF2B5EF4-FFF2-40B4-BE49-F238E27FC236}">
+                <a16:creationId xmlns:a16="http://schemas.microsoft.com/office/drawing/2014/main" id="{851CF1BB-D6C2-9E14-B7A0-9C98CE478BBF}"/>
+              </a:ext>
+            </a:extLst>
+          </p:cNvPr>
+          <p:cNvSpPr txBox="1"/>
+          <p:nvPr/>
+        </p:nvSpPr>
+        <p:spPr>
+          <a:xfrm>
+            <a:off x="7147236" y="4914126"/>
+            <a:ext cx="1641860" cy="369332"/>
+          </a:xfrm>
+          <a:prstGeom prst="rect">
+            <a:avLst/>
+          </a:prstGeom>
+          <a:noFill/>
+        </p:spPr>
+        <p:txBody>
+          <a:bodyPr wrap="none" rtlCol="0">
+            <a:spAutoFit/>
+          </a:bodyPr>
+          <a:lstStyle/>
+          <a:p>
+            <a:r>
+              <a:rPr lang="en-US"/>
+              <a:t>Data Imported</a:t>
+            </a:r>
+          </a:p>
+        </p:txBody>
+      </p:sp>
+      <p:pic>
+        <p:nvPicPr>
+          <p:cNvPr id="11" name="Picture 10">
+            <a:extLst>
+              <a:ext uri="{FF2B5EF4-FFF2-40B4-BE49-F238E27FC236}">
+                <a16:creationId xmlns:a16="http://schemas.microsoft.com/office/drawing/2014/main" id="{0821EFBD-7C21-12DC-F92D-42C482F8CAA9}"/>
+              </a:ext>
+            </a:extLst>
+          </p:cNvPr>
+          <p:cNvPicPr>
+            <a:picLocks noChangeAspect="1"/>
+          </p:cNvPicPr>
+          <p:nvPr/>
+        </p:nvPicPr>
+        <p:blipFill>
+          <a:blip r:embed="rId4"/>
+          <a:srcRect r="22558" b="15393"/>
+          <a:stretch/>
+        </p:blipFill>
+        <p:spPr>
+          <a:xfrm>
+            <a:off x="323907" y="4938459"/>
+            <a:ext cx="9441715" cy="1721780"/>
+          </a:xfrm>
+          <a:prstGeom prst="rect">
+            <a:avLst/>
+          </a:prstGeom>
+        </p:spPr>
+      </p:pic>
+    </p:spTree>
+    <p:extLst>
+      <p:ext uri="{BB962C8B-B14F-4D97-AF65-F5344CB8AC3E}">
+        <p14:creationId xmlns:p14="http://schemas.microsoft.com/office/powerpoint/2010/main" val="2799660770"/>
+      </p:ext>
+    </p:extLst>
+  </p:cSld>
+  <p:clrMapOvr>
+    <a:masterClrMapping/>
+  </p:clrMapOvr>
+</p:sld>
+</file>
+
+<file path=ppt/slides/slide6.xml><?xml version="1.0" encoding="utf-8"?>
+<p:sld xmlns:a="http://schemas.openxmlformats.org/drawingml/2006/main" xmlns:r="http://schemas.openxmlformats.org/officeDocument/2006/relationships" xmlns:p="http://schemas.openxmlformats.org/presentationml/2006/main">
+  <p:cSld>
+    <p:spTree>
+      <p:nvGrpSpPr>
+        <p:cNvPr id="1" name=""/>
+        <p:cNvGrpSpPr/>
+        <p:nvPr/>
+      </p:nvGrpSpPr>
+      <p:grpSpPr>
+        <a:xfrm>
+          <a:off x="0" y="0"/>
+          <a:ext cx="0" cy="0"/>
+          <a:chOff x="0" y="0"/>
+          <a:chExt cx="0" cy="0"/>
+        </a:xfrm>
+      </p:grpSpPr>
+      <p:sp>
+        <p:nvSpPr>
           <p:cNvPr id="2" name="Title 1">
             <a:extLst>
               <a:ext uri="{FF2B5EF4-FFF2-40B4-BE49-F238E27FC236}">
-                <a16:creationId xmlns:a16="http://schemas.microsoft.com/office/drawing/2014/main" id="{33943842-C922-F88D-BC40-0283C5529C76}"/>
+                <a16:creationId xmlns:a16="http://schemas.microsoft.com/office/drawing/2014/main" id="{0C7CF82B-C438-BE2A-52F6-0C5AD7A4044B}"/>
               </a:ext>
             </a:extLst>
           </p:cNvPr>
@@ -8398,176 +8427,82 @@
             <p:ph type="title"/>
           </p:nvPr>
         </p:nvSpPr>
+        <p:spPr/>
+        <p:txBody>
+          <a:bodyPr/>
+          <a:lstStyle/>
+          <a:p>
+            <a:r>
+              <a:rPr lang="en-US"/>
+              <a:t>Some More Snippets</a:t>
+            </a:r>
+          </a:p>
+        </p:txBody>
+      </p:sp>
+      <p:pic>
+        <p:nvPicPr>
+          <p:cNvPr id="5" name="Picture 4">
+            <a:extLst>
+              <a:ext uri="{FF2B5EF4-FFF2-40B4-BE49-F238E27FC236}">
+                <a16:creationId xmlns:a16="http://schemas.microsoft.com/office/drawing/2014/main" id="{418491D1-4236-9527-106F-DF6BE1AD1A29}"/>
+              </a:ext>
+            </a:extLst>
+          </p:cNvPr>
+          <p:cNvPicPr>
+            <a:picLocks noChangeAspect="1"/>
+          </p:cNvPicPr>
+          <p:nvPr/>
+        </p:nvPicPr>
+        <p:blipFill>
+          <a:blip r:embed="rId2"/>
+          <a:stretch>
+            <a:fillRect/>
+          </a:stretch>
+        </p:blipFill>
         <p:spPr>
           <a:xfrm>
-            <a:off x="6696186" y="909637"/>
-            <a:ext cx="4800600" cy="1307592"/>
+            <a:off x="700635" y="1847714"/>
+            <a:ext cx="3581900" cy="1943371"/>
           </a:xfrm>
+          <a:prstGeom prst="rect">
+            <a:avLst/>
+          </a:prstGeom>
         </p:spPr>
-        <p:txBody>
-          <a:bodyPr>
-            <a:normAutofit/>
-          </a:bodyPr>
-          <a:lstStyle/>
-          <a:p>
-            <a:r>
-              <a:rPr lang="en-US"/>
-              <a:t>Work Distribution</a:t>
-            </a:r>
-          </a:p>
-        </p:txBody>
-      </p:sp>
-      <p:sp>
-        <p:nvSpPr>
-          <p:cNvPr id="3" name="Content Placeholder 2">
-            <a:extLst>
-              <a:ext uri="{FF2B5EF4-FFF2-40B4-BE49-F238E27FC236}">
-                <a16:creationId xmlns:a16="http://schemas.microsoft.com/office/drawing/2014/main" id="{745B7A67-21F4-0DCB-1B69-3303EBE9E478}"/>
-              </a:ext>
-            </a:extLst>
-          </p:cNvPr>
-          <p:cNvSpPr>
-            <a:spLocks noGrp="1"/>
-          </p:cNvSpPr>
-          <p:nvPr>
-            <p:ph idx="1"/>
-          </p:nvPr>
-        </p:nvSpPr>
+      </p:pic>
+      <p:pic>
+        <p:nvPicPr>
+          <p:cNvPr id="7" name="Picture 6">
+            <a:extLst>
+              <a:ext uri="{FF2B5EF4-FFF2-40B4-BE49-F238E27FC236}">
+                <a16:creationId xmlns:a16="http://schemas.microsoft.com/office/drawing/2014/main" id="{46FAC62B-FC79-0E40-A54C-B52A28D19081}"/>
+              </a:ext>
+            </a:extLst>
+          </p:cNvPr>
+          <p:cNvPicPr>
+            <a:picLocks noChangeAspect="1"/>
+          </p:cNvPicPr>
+          <p:nvPr/>
+        </p:nvPicPr>
+        <p:blipFill>
+          <a:blip r:embed="rId3"/>
+          <a:stretch>
+            <a:fillRect/>
+          </a:stretch>
+        </p:blipFill>
         <p:spPr>
           <a:xfrm>
-            <a:off x="6364882" y="2221992"/>
-            <a:ext cx="5131904" cy="3739896"/>
+            <a:off x="4590537" y="2819399"/>
+            <a:ext cx="7354326" cy="4020111"/>
           </a:xfrm>
-        </p:spPr>
-        <p:txBody>
-          <a:bodyPr vert="horz" lIns="91440" tIns="45720" rIns="91440" bIns="45720" rtlCol="0" anchor="t">
-            <a:normAutofit/>
-          </a:bodyPr>
-          <a:lstStyle/>
-          <a:p>
-            <a:pPr algn="just"/>
-            <a:r>
-              <a:rPr lang="en-US"/>
-              <a:t>Ayushi Dadhich and Shashwat Mishra – Data-Preprocessing, EDA, Bi-Dashboard Creation </a:t>
-            </a:r>
-          </a:p>
-          <a:p>
-            <a:pPr algn="just"/>
-            <a:r>
-              <a:rPr lang="en-US"/>
-              <a:t>Vansh and Marmik – Machine Learning model creation (ARIMA SARIMA and TBATS) And  Web UI Development</a:t>
-            </a:r>
-          </a:p>
-        </p:txBody>
-      </p:sp>
-      <p:cxnSp>
-        <p:nvCxnSpPr>
-          <p:cNvPr id="11" name="Straight Connector 10">
-            <a:extLst>
-              <a:ext uri="{FF2B5EF4-FFF2-40B4-BE49-F238E27FC236}">
-                <a16:creationId xmlns:a16="http://schemas.microsoft.com/office/drawing/2014/main" id="{511FC409-B3C2-4F68-865C-C5333D6F2710}"/>
-              </a:ext>
-              <a:ext uri="{C183D7F6-B498-43B3-948B-1728B52AA6E4}">
-                <adec:decorative xmlns:adec="http://schemas.microsoft.com/office/drawing/2017/decorative" val="1"/>
-              </a:ext>
-            </a:extLst>
-          </p:cNvPr>
-          <p:cNvCxnSpPr>
-            <a:cxnSpLocks noGrp="1" noRot="1" noChangeAspect="1" noMove="1" noResize="1" noEditPoints="1" noAdjustHandles="1" noChangeArrowheads="1" noChangeShapeType="1"/>
-          </p:cNvCxnSpPr>
-          <p:nvPr>
-            <p:extLst>
-              <p:ext uri="{386F3935-93C4-4BCD-93E2-E3B085C9AB24}">
-                <p16:designElem xmlns:p16="http://schemas.microsoft.com/office/powerpoint/2015/main" val="1"/>
-              </p:ext>
-            </p:extLst>
-          </p:nvPr>
-        </p:nvCxnSpPr>
-        <p:spPr>
-          <a:xfrm>
-            <a:off x="6781300" y="723900"/>
-            <a:ext cx="4610075" cy="0"/>
-          </a:xfrm>
-          <a:prstGeom prst="line">
+          <a:prstGeom prst="rect">
             <a:avLst/>
           </a:prstGeom>
-          <a:ln w="44450">
-            <a:solidFill>
-              <a:schemeClr val="tx1"/>
-            </a:solidFill>
-          </a:ln>
         </p:spPr>
-        <p:style>
-          <a:lnRef idx="1">
-            <a:schemeClr val="accent1"/>
-          </a:lnRef>
-          <a:fillRef idx="0">
-            <a:schemeClr val="accent1"/>
-          </a:fillRef>
-          <a:effectRef idx="0">
-            <a:schemeClr val="accent1"/>
-          </a:effectRef>
-          <a:fontRef idx="minor">
-            <a:schemeClr val="tx1"/>
-          </a:fontRef>
-        </p:style>
-      </p:cxnSp>
-      <p:cxnSp>
-        <p:nvCxnSpPr>
-          <p:cNvPr id="13" name="Straight Connector 12">
-            <a:extLst>
-              <a:ext uri="{FF2B5EF4-FFF2-40B4-BE49-F238E27FC236}">
-                <a16:creationId xmlns:a16="http://schemas.microsoft.com/office/drawing/2014/main" id="{B810270D-76A7-44B3-9746-7EDF5788602E}"/>
-              </a:ext>
-              <a:ext uri="{C183D7F6-B498-43B3-948B-1728B52AA6E4}">
-                <adec:decorative xmlns:adec="http://schemas.microsoft.com/office/drawing/2017/decorative" val="1"/>
-              </a:ext>
-            </a:extLst>
-          </p:cNvPr>
-          <p:cNvCxnSpPr>
-            <a:cxnSpLocks noGrp="1" noRot="1" noChangeAspect="1" noMove="1" noResize="1" noEditPoints="1" noAdjustHandles="1" noChangeArrowheads="1" noChangeShapeType="1"/>
-          </p:cNvCxnSpPr>
-          <p:nvPr>
-            <p:extLst>
-              <p:ext uri="{386F3935-93C4-4BCD-93E2-E3B085C9AB24}">
-                <p16:designElem xmlns:p16="http://schemas.microsoft.com/office/powerpoint/2015/main" val="1"/>
-              </p:ext>
-            </p:extLst>
-          </p:nvPr>
-        </p:nvCxnSpPr>
-        <p:spPr>
-          <a:xfrm>
-            <a:off x="6781300" y="6142781"/>
-            <a:ext cx="4610075" cy="0"/>
-          </a:xfrm>
-          <a:prstGeom prst="line">
-            <a:avLst/>
-          </a:prstGeom>
-          <a:ln w="12700">
-            <a:solidFill>
-              <a:schemeClr val="tx1"/>
-            </a:solidFill>
-          </a:ln>
-        </p:spPr>
-        <p:style>
-          <a:lnRef idx="1">
-            <a:schemeClr val="accent1"/>
-          </a:lnRef>
-          <a:fillRef idx="0">
-            <a:schemeClr val="accent1"/>
-          </a:fillRef>
-          <a:effectRef idx="0">
-            <a:schemeClr val="accent1"/>
-          </a:effectRef>
-          <a:fontRef idx="minor">
-            <a:schemeClr val="tx1"/>
-          </a:fontRef>
-        </p:style>
-      </p:cxnSp>
+      </p:pic>
     </p:spTree>
     <p:extLst>
       <p:ext uri="{BB962C8B-B14F-4D97-AF65-F5344CB8AC3E}">
-        <p14:creationId xmlns:p14="http://schemas.microsoft.com/office/powerpoint/2010/main" val="933205813"/>
+        <p14:creationId xmlns:p14="http://schemas.microsoft.com/office/powerpoint/2010/main" val="2605865318"/>
       </p:ext>
     </p:extLst>
   </p:cSld>
@@ -8824,7 +8759,7 @@
                   <a:schemeClr val="bg1"/>
                 </a:solidFill>
               </a:rPr>
-              <a:t>Result Analysis</a:t>
+              <a:t>Evaluation Metrics</a:t>
             </a:r>
           </a:p>
         </p:txBody>
@@ -10287,42 +10222,6 @@
           </a:graphicData>
         </a:graphic>
       </p:graphicFrame>
-      <p:pic>
-        <p:nvPicPr>
-          <p:cNvPr id="9" name="Picture 8" descr="A graph with blue and brown vertical lines&#10;&#10;AI-generated content may be incorrect.">
-            <a:extLst>
-              <a:ext uri="{FF2B5EF4-FFF2-40B4-BE49-F238E27FC236}">
-                <a16:creationId xmlns:a16="http://schemas.microsoft.com/office/drawing/2014/main" id="{82D0C3A6-4B5D-4799-B853-9AEA6F4F0361}"/>
-              </a:ext>
-            </a:extLst>
-          </p:cNvPr>
-          <p:cNvPicPr>
-            <a:picLocks noChangeAspect="1"/>
-          </p:cNvPicPr>
-          <p:nvPr/>
-        </p:nvPicPr>
-        <p:blipFill>
-          <a:blip r:embed="rId2">
-            <a:extLst>
-              <a:ext uri="{28A0092B-C50C-407E-A947-70E740481C1C}">
-                <a14:useLocalDpi xmlns:a14="http://schemas.microsoft.com/office/drawing/2010/main" val="0"/>
-              </a:ext>
-            </a:extLst>
-          </a:blip>
-          <a:stretch>
-            <a:fillRect/>
-          </a:stretch>
-        </p:blipFill>
-        <p:spPr>
-          <a:xfrm>
-            <a:off x="4876800" y="3681985"/>
-            <a:ext cx="7315200" cy="3211187"/>
-          </a:xfrm>
-          <a:prstGeom prst="rect">
-            <a:avLst/>
-          </a:prstGeom>
-        </p:spPr>
-      </p:pic>
     </p:spTree>
     <p:extLst>
       <p:ext uri="{BB962C8B-B14F-4D97-AF65-F5344CB8AC3E}">
@@ -10563,13 +10462,13 @@
               </a:ext>
             </a:extLst>
           </a:blip>
-          <a:srcRect r="2667"/>
+          <a:srcRect t="15144" r="2667"/>
           <a:stretch/>
         </p:blipFill>
         <p:spPr>
           <a:xfrm>
-            <a:off x="20" y="10"/>
-            <a:ext cx="12191980" cy="6857990"/>
+            <a:off x="20" y="1038578"/>
+            <a:ext cx="12191980" cy="5819421"/>
           </a:xfrm>
           <a:prstGeom prst="rect">
             <a:avLst/>
@@ -10674,8 +10573,8 @@
         </p:nvSpPr>
         <p:spPr>
           <a:xfrm>
-            <a:off x="695326" y="4961209"/>
-            <a:ext cx="10696574" cy="770964"/>
+            <a:off x="800100" y="133807"/>
+            <a:ext cx="10591800" cy="770964"/>
           </a:xfrm>
         </p:spPr>
         <p:txBody>
@@ -10942,13 +10841,13 @@
               </a:ext>
             </a:extLst>
           </a:blip>
-          <a:srcRect t="1760" b="4490"/>
+          <a:srcRect t="15313" b="4490"/>
           <a:stretch/>
         </p:blipFill>
         <p:spPr bwMode="auto">
           <a:xfrm>
-            <a:off x="2327" y="32667"/>
-            <a:ext cx="12191980" cy="6857990"/>
+            <a:off x="2327" y="1024131"/>
+            <a:ext cx="12191980" cy="5866525"/>
           </a:xfrm>
           <a:prstGeom prst="rect">
             <a:avLst/>
@@ -11054,7 +10953,7 @@
         </p:nvSpPr>
         <p:spPr>
           <a:xfrm>
-            <a:off x="3306844" y="126584"/>
+            <a:off x="797793" y="220511"/>
             <a:ext cx="7840127" cy="770964"/>
           </a:xfrm>
         </p:spPr>
@@ -11065,11 +10964,7 @@
           <a:lstStyle/>
           <a:p>
             <a:r>
-              <a:rPr lang="en-US">
-                <a:solidFill>
-                  <a:schemeClr val="bg1"/>
-                </a:solidFill>
-              </a:rPr>
+              <a:rPr lang="en-US"/>
               <a:t>TBATS Forecasting</a:t>
             </a:r>
           </a:p>
